--- a/Slides/Study_design.pptx
+++ b/Slides/Study_design.pptx
@@ -4844,7 +4844,28 @@
                 <a:latin typeface="Calibri" panose="020F0502020204030204" pitchFamily="34" charset="0"/>
                 <a:cs typeface="Calibri" panose="020F0502020204030204" pitchFamily="34" charset="0"/>
               </a:rPr>
-              <a:t>Pancreatic ductal adenocarcinoma (</a:t>
+              <a:t>Pancreatic ductal adenocarcinoma </a:t>
+            </a:r>
+            <a:r>
+              <a:rPr lang="en-US" sz="1800" b="1" i="1">
+                <a:solidFill>
+                  <a:srgbClr val="C00000"/>
+                </a:solidFill>
+                <a:effectLst/>
+                <a:latin typeface="Calibri" panose="020F0502020204030204" pitchFamily="34" charset="0"/>
+                <a:cs typeface="Calibri" panose="020F0502020204030204" pitchFamily="34" charset="0"/>
+              </a:rPr>
+              <a:t>(</a:t>
+            </a:r>
+            <a:r>
+              <a:rPr lang="en-US" sz="1800" b="1" i="1">
+                <a:solidFill>
+                  <a:srgbClr val="C00000"/>
+                </a:solidFill>
+                <a:effectLst/>
+                <a:latin typeface="AdvOT024b927e"/>
+              </a:rPr>
+              <a:t>PDAC),  </a:t>
             </a:r>
             <a:r>
               <a:rPr lang="en-US" sz="1800" b="1" i="1" dirty="0">
@@ -4854,7 +4875,7 @@
                 <a:effectLst/>
                 <a:latin typeface="AdvOT024b927e"/>
               </a:rPr>
-              <a:t>PDA),  its potential role in the </a:t>
+              <a:t>its potential role in the </a:t>
             </a:r>
             <a:r>
               <a:rPr lang="en-US" sz="1800" b="1" i="1" dirty="0">
@@ -5001,127 +5022,6 @@
           <a:chExt cx="0" cy="0"/>
         </a:xfrm>
       </p:grpSpPr>
-      <p:sp>
-        <p:nvSpPr>
-          <p:cNvPr id="4" name="TextBox 3">
-            <a:extLst>
-              <a:ext uri="{FF2B5EF4-FFF2-40B4-BE49-F238E27FC236}">
-                <a16:creationId xmlns:a16="http://schemas.microsoft.com/office/drawing/2014/main" id="{E9DD1290-937A-DA2F-A238-817DCC5E1FBC}"/>
-              </a:ext>
-            </a:extLst>
-          </p:cNvPr>
-          <p:cNvSpPr txBox="1"/>
-          <p:nvPr/>
-        </p:nvSpPr>
-        <p:spPr>
-          <a:xfrm>
-            <a:off x="4655391" y="0"/>
-            <a:ext cx="7087804" cy="461665"/>
-          </a:xfrm>
-          <a:prstGeom prst="rect">
-            <a:avLst/>
-          </a:prstGeom>
-          <a:noFill/>
-        </p:spPr>
-        <p:txBody>
-          <a:bodyPr wrap="square" rtlCol="0">
-            <a:spAutoFit/>
-          </a:bodyPr>
-          <a:lstStyle/>
-          <a:p>
-            <a:r>
-              <a:rPr lang="en-US" sz="2400" b="1" dirty="0">
-                <a:solidFill>
-                  <a:schemeClr val="accent5">
-                    <a:lumMod val="50000"/>
-                  </a:schemeClr>
-                </a:solidFill>
-                <a:effectLst/>
-                <a:latin typeface="Calibri" panose="020F0502020204030204" pitchFamily="34" charset="0"/>
-                <a:cs typeface="Calibri" panose="020F0502020204030204" pitchFamily="34" charset="0"/>
-              </a:rPr>
-              <a:t>Experimental Design</a:t>
-            </a:r>
-            <a:endParaRPr lang="en-US" sz="2400" b="1" dirty="0">
-              <a:solidFill>
-                <a:schemeClr val="accent5">
-                  <a:lumMod val="50000"/>
-                </a:schemeClr>
-              </a:solidFill>
-            </a:endParaRPr>
-          </a:p>
-        </p:txBody>
-      </p:sp>
-      <p:sp>
-        <p:nvSpPr>
-          <p:cNvPr id="5" name="TextBox 4">
-            <a:extLst>
-              <a:ext uri="{FF2B5EF4-FFF2-40B4-BE49-F238E27FC236}">
-                <a16:creationId xmlns:a16="http://schemas.microsoft.com/office/drawing/2014/main" id="{226BF41C-7737-6736-8716-0C7102C299DC}"/>
-              </a:ext>
-            </a:extLst>
-          </p:cNvPr>
-          <p:cNvSpPr txBox="1"/>
-          <p:nvPr/>
-        </p:nvSpPr>
-        <p:spPr>
-          <a:xfrm>
-            <a:off x="7115503" y="664340"/>
-            <a:ext cx="4550980" cy="338554"/>
-          </a:xfrm>
-          <a:prstGeom prst="rect">
-            <a:avLst/>
-          </a:prstGeom>
-          <a:noFill/>
-        </p:spPr>
-        <p:txBody>
-          <a:bodyPr wrap="square" rtlCol="0">
-            <a:spAutoFit/>
-          </a:bodyPr>
-          <a:lstStyle/>
-          <a:p>
-            <a:r>
-              <a:rPr lang="en-US" sz="1600" i="1" dirty="0"/>
-              <a:t>PDAC = Pancreatic Ductal Adenocarcinoma</a:t>
-            </a:r>
-          </a:p>
-        </p:txBody>
-      </p:sp>
-      <p:sp>
-        <p:nvSpPr>
-          <p:cNvPr id="6" name="TextBox 5">
-            <a:extLst>
-              <a:ext uri="{FF2B5EF4-FFF2-40B4-BE49-F238E27FC236}">
-                <a16:creationId xmlns:a16="http://schemas.microsoft.com/office/drawing/2014/main" id="{90521C8C-1B94-98CC-B4C5-DA1C8D15EFC6}"/>
-              </a:ext>
-            </a:extLst>
-          </p:cNvPr>
-          <p:cNvSpPr txBox="1"/>
-          <p:nvPr/>
-        </p:nvSpPr>
-        <p:spPr>
-          <a:xfrm>
-            <a:off x="7115503" y="1020904"/>
-            <a:ext cx="4550980" cy="338554"/>
-          </a:xfrm>
-          <a:prstGeom prst="rect">
-            <a:avLst/>
-          </a:prstGeom>
-          <a:noFill/>
-        </p:spPr>
-        <p:txBody>
-          <a:bodyPr wrap="square" rtlCol="0">
-            <a:spAutoFit/>
-          </a:bodyPr>
-          <a:lstStyle/>
-          <a:p>
-            <a:r>
-              <a:rPr lang="en-US" sz="1600" i="1" dirty="0"/>
-              <a:t>PBMC = Human peripheral blood mononuclear cells</a:t>
-            </a:r>
-          </a:p>
-        </p:txBody>
-      </p:sp>
       <p:pic>
         <p:nvPicPr>
           <p:cNvPr id="8" name="Picture 7">
@@ -5152,6 +5052,145 @@
           </a:prstGeom>
         </p:spPr>
       </p:pic>
+      <p:sp>
+        <p:nvSpPr>
+          <p:cNvPr id="4" name="TextBox 3">
+            <a:extLst>
+              <a:ext uri="{FF2B5EF4-FFF2-40B4-BE49-F238E27FC236}">
+                <a16:creationId xmlns:a16="http://schemas.microsoft.com/office/drawing/2014/main" id="{E9DD1290-937A-DA2F-A238-817DCC5E1FBC}"/>
+              </a:ext>
+            </a:extLst>
+          </p:cNvPr>
+          <p:cNvSpPr txBox="1"/>
+          <p:nvPr/>
+        </p:nvSpPr>
+        <p:spPr>
+          <a:xfrm>
+            <a:off x="4655391" y="0"/>
+            <a:ext cx="7087804" cy="461665"/>
+          </a:xfrm>
+          <a:prstGeom prst="rect">
+            <a:avLst/>
+          </a:prstGeom>
+          <a:noFill/>
+        </p:spPr>
+        <p:txBody>
+          <a:bodyPr wrap="square" rtlCol="0">
+            <a:spAutoFit/>
+          </a:bodyPr>
+          <a:lstStyle/>
+          <a:p>
+            <a:r>
+              <a:rPr lang="en-US" sz="2400" b="1" dirty="0">
+                <a:solidFill>
+                  <a:schemeClr val="accent5">
+                    <a:lumMod val="50000"/>
+                  </a:schemeClr>
+                </a:solidFill>
+                <a:effectLst/>
+                <a:latin typeface="Calibri" panose="020F0502020204030204" pitchFamily="34" charset="0"/>
+                <a:cs typeface="Calibri" panose="020F0502020204030204" pitchFamily="34" charset="0"/>
+              </a:rPr>
+              <a:t>Experimental Design</a:t>
+            </a:r>
+            <a:endParaRPr lang="en-US" sz="2400" b="1" dirty="0">
+              <a:solidFill>
+                <a:schemeClr val="accent5">
+                  <a:lumMod val="50000"/>
+                </a:schemeClr>
+              </a:solidFill>
+            </a:endParaRPr>
+          </a:p>
+        </p:txBody>
+      </p:sp>
+      <p:sp>
+        <p:nvSpPr>
+          <p:cNvPr id="5" name="TextBox 4">
+            <a:extLst>
+              <a:ext uri="{FF2B5EF4-FFF2-40B4-BE49-F238E27FC236}">
+                <a16:creationId xmlns:a16="http://schemas.microsoft.com/office/drawing/2014/main" id="{226BF41C-7737-6736-8716-0C7102C299DC}"/>
+              </a:ext>
+            </a:extLst>
+          </p:cNvPr>
+          <p:cNvSpPr txBox="1"/>
+          <p:nvPr/>
+        </p:nvSpPr>
+        <p:spPr>
+          <a:xfrm>
+            <a:off x="7192215" y="945489"/>
+            <a:ext cx="4550980" cy="461665"/>
+          </a:xfrm>
+          <a:prstGeom prst="rect">
+            <a:avLst/>
+          </a:prstGeom>
+          <a:noFill/>
+        </p:spPr>
+        <p:txBody>
+          <a:bodyPr wrap="square" rtlCol="0">
+            <a:spAutoFit/>
+          </a:bodyPr>
+          <a:lstStyle/>
+          <a:p>
+            <a:r>
+              <a:rPr lang="en-US" sz="1200" i="1" dirty="0"/>
+              <a:t>PDAC = Pancreatic Ductal</a:t>
+            </a:r>
+          </a:p>
+          <a:p>
+            <a:r>
+              <a:rPr lang="en-US" sz="1200" i="1" dirty="0"/>
+              <a:t>              Adenocarcinoma</a:t>
+            </a:r>
+          </a:p>
+        </p:txBody>
+      </p:sp>
+      <p:sp>
+        <p:nvSpPr>
+          <p:cNvPr id="6" name="TextBox 5">
+            <a:extLst>
+              <a:ext uri="{FF2B5EF4-FFF2-40B4-BE49-F238E27FC236}">
+                <a16:creationId xmlns:a16="http://schemas.microsoft.com/office/drawing/2014/main" id="{90521C8C-1B94-98CC-B4C5-DA1C8D15EFC6}"/>
+              </a:ext>
+            </a:extLst>
+          </p:cNvPr>
+          <p:cNvSpPr txBox="1"/>
+          <p:nvPr/>
+        </p:nvSpPr>
+        <p:spPr>
+          <a:xfrm>
+            <a:off x="7186622" y="1407154"/>
+            <a:ext cx="4550980" cy="646331"/>
+          </a:xfrm>
+          <a:prstGeom prst="rect">
+            <a:avLst/>
+          </a:prstGeom>
+          <a:noFill/>
+        </p:spPr>
+        <p:txBody>
+          <a:bodyPr wrap="square" rtlCol="0">
+            <a:spAutoFit/>
+          </a:bodyPr>
+          <a:lstStyle/>
+          <a:p>
+            <a:r>
+              <a:rPr lang="en-US" sz="1200" i="1" dirty="0"/>
+              <a:t>PBMC = Human Peripheral</a:t>
+            </a:r>
+          </a:p>
+          <a:p>
+            <a:r>
+              <a:rPr lang="en-US" sz="1200" i="1" dirty="0"/>
+              <a:t>               Blood Mononuclear</a:t>
+            </a:r>
+          </a:p>
+          <a:p>
+            <a:r>
+              <a:rPr lang="en-US" sz="1200" i="1" dirty="0"/>
+              <a:t>               Cells</a:t>
+            </a:r>
+          </a:p>
+        </p:txBody>
+      </p:sp>
     </p:spTree>
     <p:extLst>
       <p:ext uri="{BB962C8B-B14F-4D97-AF65-F5344CB8AC3E}">

--- a/Slides/Study_design.pptx
+++ b/Slides/Study_design.pptx
@@ -4,6 +4,9 @@
   <p:sldMasterIdLst>
     <p:sldMasterId id="2147483648" r:id="rId1"/>
   </p:sldMasterIdLst>
+  <p:notesMasterIdLst>
+    <p:notesMasterId r:id="rId10"/>
+  </p:notesMasterIdLst>
   <p:sldIdLst>
     <p:sldId id="257" r:id="rId2"/>
     <p:sldId id="258" r:id="rId3"/>
@@ -11,6 +14,8 @@
     <p:sldId id="260" r:id="rId5"/>
     <p:sldId id="262" r:id="rId6"/>
     <p:sldId id="261" r:id="rId7"/>
+    <p:sldId id="263" r:id="rId8"/>
+    <p:sldId id="264" r:id="rId9"/>
   </p:sldIdLst>
   <p:sldSz cx="12192000" cy="6858000"/>
   <p:notesSz cx="6858000" cy="9144000"/>
@@ -117,6 +122,439 @@
 </p:presentation>
 </file>
 
+<file path=ppt/notesMasters/notesMaster1.xml><?xml version="1.0" encoding="utf-8"?>
+<p:notesMaster xmlns:a="http://schemas.openxmlformats.org/drawingml/2006/main" xmlns:r="http://schemas.openxmlformats.org/officeDocument/2006/relationships" xmlns:p="http://schemas.openxmlformats.org/presentationml/2006/main">
+  <p:cSld>
+    <p:bg>
+      <p:bgRef idx="1001">
+        <a:schemeClr val="bg1"/>
+      </p:bgRef>
+    </p:bg>
+    <p:spTree>
+      <p:nvGrpSpPr>
+        <p:cNvPr id="1" name=""/>
+        <p:cNvGrpSpPr/>
+        <p:nvPr/>
+      </p:nvGrpSpPr>
+      <p:grpSpPr>
+        <a:xfrm>
+          <a:off x="0" y="0"/>
+          <a:ext cx="0" cy="0"/>
+          <a:chOff x="0" y="0"/>
+          <a:chExt cx="0" cy="0"/>
+        </a:xfrm>
+      </p:grpSpPr>
+      <p:sp>
+        <p:nvSpPr>
+          <p:cNvPr id="2" name="Header Placeholder 1"/>
+          <p:cNvSpPr>
+            <a:spLocks noGrp="1"/>
+          </p:cNvSpPr>
+          <p:nvPr>
+            <p:ph type="hdr" sz="quarter"/>
+          </p:nvPr>
+        </p:nvSpPr>
+        <p:spPr>
+          <a:xfrm>
+            <a:off x="0" y="0"/>
+            <a:ext cx="2971800" cy="458788"/>
+          </a:xfrm>
+          <a:prstGeom prst="rect">
+            <a:avLst/>
+          </a:prstGeom>
+        </p:spPr>
+        <p:txBody>
+          <a:bodyPr vert="horz" lIns="91440" tIns="45720" rIns="91440" bIns="45720" rtlCol="0"/>
+          <a:lstStyle>
+            <a:lvl1pPr algn="l">
+              <a:defRPr sz="1200"/>
+            </a:lvl1pPr>
+          </a:lstStyle>
+          <a:p>
+            <a:endParaRPr lang="en-US"/>
+          </a:p>
+        </p:txBody>
+      </p:sp>
+      <p:sp>
+        <p:nvSpPr>
+          <p:cNvPr id="3" name="Date Placeholder 2"/>
+          <p:cNvSpPr>
+            <a:spLocks noGrp="1"/>
+          </p:cNvSpPr>
+          <p:nvPr>
+            <p:ph type="dt" idx="1"/>
+          </p:nvPr>
+        </p:nvSpPr>
+        <p:spPr>
+          <a:xfrm>
+            <a:off x="3884613" y="0"/>
+            <a:ext cx="2971800" cy="458788"/>
+          </a:xfrm>
+          <a:prstGeom prst="rect">
+            <a:avLst/>
+          </a:prstGeom>
+        </p:spPr>
+        <p:txBody>
+          <a:bodyPr vert="horz" lIns="91440" tIns="45720" rIns="91440" bIns="45720" rtlCol="0"/>
+          <a:lstStyle>
+            <a:lvl1pPr algn="r">
+              <a:defRPr sz="1200"/>
+            </a:lvl1pPr>
+          </a:lstStyle>
+          <a:p>
+            <a:fld id="{22095765-667C-1A47-A1EB-FE5DBB90C912}" type="datetimeFigureOut">
+              <a:rPr lang="en-US" smtClean="0"/>
+              <a:t>3/8/23</a:t>
+            </a:fld>
+            <a:endParaRPr lang="en-US"/>
+          </a:p>
+        </p:txBody>
+      </p:sp>
+      <p:sp>
+        <p:nvSpPr>
+          <p:cNvPr id="4" name="Slide Image Placeholder 3"/>
+          <p:cNvSpPr>
+            <a:spLocks noGrp="1" noRot="1" noChangeAspect="1"/>
+          </p:cNvSpPr>
+          <p:nvPr>
+            <p:ph type="sldImg" idx="2"/>
+          </p:nvPr>
+        </p:nvSpPr>
+        <p:spPr>
+          <a:xfrm>
+            <a:off x="685800" y="1143000"/>
+            <a:ext cx="5486400" cy="3086100"/>
+          </a:xfrm>
+          <a:prstGeom prst="rect">
+            <a:avLst/>
+          </a:prstGeom>
+          <a:noFill/>
+          <a:ln w="12700">
+            <a:solidFill>
+              <a:prstClr val="black"/>
+            </a:solidFill>
+          </a:ln>
+        </p:spPr>
+        <p:txBody>
+          <a:bodyPr vert="horz" lIns="91440" tIns="45720" rIns="91440" bIns="45720" rtlCol="0" anchor="ctr"/>
+          <a:lstStyle/>
+          <a:p>
+            <a:endParaRPr lang="en-US"/>
+          </a:p>
+        </p:txBody>
+      </p:sp>
+      <p:sp>
+        <p:nvSpPr>
+          <p:cNvPr id="5" name="Notes Placeholder 4"/>
+          <p:cNvSpPr>
+            <a:spLocks noGrp="1"/>
+          </p:cNvSpPr>
+          <p:nvPr>
+            <p:ph type="body" sz="quarter" idx="3"/>
+          </p:nvPr>
+        </p:nvSpPr>
+        <p:spPr>
+          <a:xfrm>
+            <a:off x="685800" y="4400550"/>
+            <a:ext cx="5486400" cy="3600450"/>
+          </a:xfrm>
+          <a:prstGeom prst="rect">
+            <a:avLst/>
+          </a:prstGeom>
+        </p:spPr>
+        <p:txBody>
+          <a:bodyPr vert="horz" lIns="91440" tIns="45720" rIns="91440" bIns="45720" rtlCol="0"/>
+          <a:lstStyle/>
+          <a:p>
+            <a:pPr lvl="0"/>
+            <a:r>
+              <a:rPr lang="en-US"/>
+              <a:t>Click to edit Master text styles</a:t>
+            </a:r>
+          </a:p>
+          <a:p>
+            <a:pPr lvl="1"/>
+            <a:r>
+              <a:rPr lang="en-US"/>
+              <a:t>Second level</a:t>
+            </a:r>
+          </a:p>
+          <a:p>
+            <a:pPr lvl="2"/>
+            <a:r>
+              <a:rPr lang="en-US"/>
+              <a:t>Third level</a:t>
+            </a:r>
+          </a:p>
+          <a:p>
+            <a:pPr lvl="3"/>
+            <a:r>
+              <a:rPr lang="en-US"/>
+              <a:t>Fourth level</a:t>
+            </a:r>
+          </a:p>
+          <a:p>
+            <a:pPr lvl="4"/>
+            <a:r>
+              <a:rPr lang="en-US"/>
+              <a:t>Fifth level</a:t>
+            </a:r>
+          </a:p>
+        </p:txBody>
+      </p:sp>
+      <p:sp>
+        <p:nvSpPr>
+          <p:cNvPr id="6" name="Footer Placeholder 5"/>
+          <p:cNvSpPr>
+            <a:spLocks noGrp="1"/>
+          </p:cNvSpPr>
+          <p:nvPr>
+            <p:ph type="ftr" sz="quarter" idx="4"/>
+          </p:nvPr>
+        </p:nvSpPr>
+        <p:spPr>
+          <a:xfrm>
+            <a:off x="0" y="8685213"/>
+            <a:ext cx="2971800" cy="458787"/>
+          </a:xfrm>
+          <a:prstGeom prst="rect">
+            <a:avLst/>
+          </a:prstGeom>
+        </p:spPr>
+        <p:txBody>
+          <a:bodyPr vert="horz" lIns="91440" tIns="45720" rIns="91440" bIns="45720" rtlCol="0" anchor="b"/>
+          <a:lstStyle>
+            <a:lvl1pPr algn="l">
+              <a:defRPr sz="1200"/>
+            </a:lvl1pPr>
+          </a:lstStyle>
+          <a:p>
+            <a:endParaRPr lang="en-US"/>
+          </a:p>
+        </p:txBody>
+      </p:sp>
+      <p:sp>
+        <p:nvSpPr>
+          <p:cNvPr id="7" name="Slide Number Placeholder 6"/>
+          <p:cNvSpPr>
+            <a:spLocks noGrp="1"/>
+          </p:cNvSpPr>
+          <p:nvPr>
+            <p:ph type="sldNum" sz="quarter" idx="5"/>
+          </p:nvPr>
+        </p:nvSpPr>
+        <p:spPr>
+          <a:xfrm>
+            <a:off x="3884613" y="8685213"/>
+            <a:ext cx="2971800" cy="458787"/>
+          </a:xfrm>
+          <a:prstGeom prst="rect">
+            <a:avLst/>
+          </a:prstGeom>
+        </p:spPr>
+        <p:txBody>
+          <a:bodyPr vert="horz" lIns="91440" tIns="45720" rIns="91440" bIns="45720" rtlCol="0" anchor="b"/>
+          <a:lstStyle>
+            <a:lvl1pPr algn="r">
+              <a:defRPr sz="1200"/>
+            </a:lvl1pPr>
+          </a:lstStyle>
+          <a:p>
+            <a:fld id="{9BBAB80E-F810-B14C-B647-E5478CBDC69E}" type="slidenum">
+              <a:rPr lang="en-US" smtClean="0"/>
+              <a:t>‹#›</a:t>
+            </a:fld>
+            <a:endParaRPr lang="en-US"/>
+          </a:p>
+        </p:txBody>
+      </p:sp>
+    </p:spTree>
+    <p:extLst>
+      <p:ext uri="{BB962C8B-B14F-4D97-AF65-F5344CB8AC3E}">
+        <p14:creationId xmlns:p14="http://schemas.microsoft.com/office/powerpoint/2010/main" val="1110506177"/>
+      </p:ext>
+    </p:extLst>
+  </p:cSld>
+  <p:clrMap bg1="lt1" tx1="dk1" bg2="lt2" tx2="dk2" accent1="accent1" accent2="accent2" accent3="accent3" accent4="accent4" accent5="accent5" accent6="accent6" hlink="hlink" folHlink="folHlink"/>
+  <p:notesStyle>
+    <a:lvl1pPr marL="0" algn="l" defTabSz="914400" rtl="0" eaLnBrk="1" latinLnBrk="0" hangingPunct="1">
+      <a:defRPr sz="1200" kern="1200">
+        <a:solidFill>
+          <a:schemeClr val="tx1"/>
+        </a:solidFill>
+        <a:latin typeface="+mn-lt"/>
+        <a:ea typeface="+mn-ea"/>
+        <a:cs typeface="+mn-cs"/>
+      </a:defRPr>
+    </a:lvl1pPr>
+    <a:lvl2pPr marL="457200" algn="l" defTabSz="914400" rtl="0" eaLnBrk="1" latinLnBrk="0" hangingPunct="1">
+      <a:defRPr sz="1200" kern="1200">
+        <a:solidFill>
+          <a:schemeClr val="tx1"/>
+        </a:solidFill>
+        <a:latin typeface="+mn-lt"/>
+        <a:ea typeface="+mn-ea"/>
+        <a:cs typeface="+mn-cs"/>
+      </a:defRPr>
+    </a:lvl2pPr>
+    <a:lvl3pPr marL="914400" algn="l" defTabSz="914400" rtl="0" eaLnBrk="1" latinLnBrk="0" hangingPunct="1">
+      <a:defRPr sz="1200" kern="1200">
+        <a:solidFill>
+          <a:schemeClr val="tx1"/>
+        </a:solidFill>
+        <a:latin typeface="+mn-lt"/>
+        <a:ea typeface="+mn-ea"/>
+        <a:cs typeface="+mn-cs"/>
+      </a:defRPr>
+    </a:lvl3pPr>
+    <a:lvl4pPr marL="1371600" algn="l" defTabSz="914400" rtl="0" eaLnBrk="1" latinLnBrk="0" hangingPunct="1">
+      <a:defRPr sz="1200" kern="1200">
+        <a:solidFill>
+          <a:schemeClr val="tx1"/>
+        </a:solidFill>
+        <a:latin typeface="+mn-lt"/>
+        <a:ea typeface="+mn-ea"/>
+        <a:cs typeface="+mn-cs"/>
+      </a:defRPr>
+    </a:lvl4pPr>
+    <a:lvl5pPr marL="1828800" algn="l" defTabSz="914400" rtl="0" eaLnBrk="1" latinLnBrk="0" hangingPunct="1">
+      <a:defRPr sz="1200" kern="1200">
+        <a:solidFill>
+          <a:schemeClr val="tx1"/>
+        </a:solidFill>
+        <a:latin typeface="+mn-lt"/>
+        <a:ea typeface="+mn-ea"/>
+        <a:cs typeface="+mn-cs"/>
+      </a:defRPr>
+    </a:lvl5pPr>
+    <a:lvl6pPr marL="2286000" algn="l" defTabSz="914400" rtl="0" eaLnBrk="1" latinLnBrk="0" hangingPunct="1">
+      <a:defRPr sz="1200" kern="1200">
+        <a:solidFill>
+          <a:schemeClr val="tx1"/>
+        </a:solidFill>
+        <a:latin typeface="+mn-lt"/>
+        <a:ea typeface="+mn-ea"/>
+        <a:cs typeface="+mn-cs"/>
+      </a:defRPr>
+    </a:lvl6pPr>
+    <a:lvl7pPr marL="2743200" algn="l" defTabSz="914400" rtl="0" eaLnBrk="1" latinLnBrk="0" hangingPunct="1">
+      <a:defRPr sz="1200" kern="1200">
+        <a:solidFill>
+          <a:schemeClr val="tx1"/>
+        </a:solidFill>
+        <a:latin typeface="+mn-lt"/>
+        <a:ea typeface="+mn-ea"/>
+        <a:cs typeface="+mn-cs"/>
+      </a:defRPr>
+    </a:lvl7pPr>
+    <a:lvl8pPr marL="3200400" algn="l" defTabSz="914400" rtl="0" eaLnBrk="1" latinLnBrk="0" hangingPunct="1">
+      <a:defRPr sz="1200" kern="1200">
+        <a:solidFill>
+          <a:schemeClr val="tx1"/>
+        </a:solidFill>
+        <a:latin typeface="+mn-lt"/>
+        <a:ea typeface="+mn-ea"/>
+        <a:cs typeface="+mn-cs"/>
+      </a:defRPr>
+    </a:lvl8pPr>
+    <a:lvl9pPr marL="3657600" algn="l" defTabSz="914400" rtl="0" eaLnBrk="1" latinLnBrk="0" hangingPunct="1">
+      <a:defRPr sz="1200" kern="1200">
+        <a:solidFill>
+          <a:schemeClr val="tx1"/>
+        </a:solidFill>
+        <a:latin typeface="+mn-lt"/>
+        <a:ea typeface="+mn-ea"/>
+        <a:cs typeface="+mn-cs"/>
+      </a:defRPr>
+    </a:lvl9pPr>
+  </p:notesStyle>
+</p:notesMaster>
+</file>
+
+<file path=ppt/notesSlides/notesSlide1.xml><?xml version="1.0" encoding="utf-8"?>
+<p:notes xmlns:a="http://schemas.openxmlformats.org/drawingml/2006/main" xmlns:r="http://schemas.openxmlformats.org/officeDocument/2006/relationships" xmlns:p="http://schemas.openxmlformats.org/presentationml/2006/main">
+  <p:cSld>
+    <p:spTree>
+      <p:nvGrpSpPr>
+        <p:cNvPr id="1" name=""/>
+        <p:cNvGrpSpPr/>
+        <p:nvPr/>
+      </p:nvGrpSpPr>
+      <p:grpSpPr>
+        <a:xfrm>
+          <a:off x="0" y="0"/>
+          <a:ext cx="0" cy="0"/>
+          <a:chOff x="0" y="0"/>
+          <a:chExt cx="0" cy="0"/>
+        </a:xfrm>
+      </p:grpSpPr>
+      <p:sp>
+        <p:nvSpPr>
+          <p:cNvPr id="2" name="Slide Image Placeholder 1"/>
+          <p:cNvSpPr>
+            <a:spLocks noGrp="1" noRot="1" noChangeAspect="1"/>
+          </p:cNvSpPr>
+          <p:nvPr>
+            <p:ph type="sldImg"/>
+          </p:nvPr>
+        </p:nvSpPr>
+        <p:spPr/>
+      </p:sp>
+      <p:sp>
+        <p:nvSpPr>
+          <p:cNvPr id="3" name="Notes Placeholder 2"/>
+          <p:cNvSpPr>
+            <a:spLocks noGrp="1"/>
+          </p:cNvSpPr>
+          <p:nvPr>
+            <p:ph type="body" idx="1"/>
+          </p:nvPr>
+        </p:nvSpPr>
+        <p:spPr/>
+        <p:txBody>
+          <a:bodyPr/>
+          <a:lstStyle/>
+          <a:p>
+            <a:endParaRPr lang="en-US" dirty="0"/>
+          </a:p>
+        </p:txBody>
+      </p:sp>
+      <p:sp>
+        <p:nvSpPr>
+          <p:cNvPr id="4" name="Slide Number Placeholder 3"/>
+          <p:cNvSpPr>
+            <a:spLocks noGrp="1"/>
+          </p:cNvSpPr>
+          <p:nvPr>
+            <p:ph type="sldNum" sz="quarter" idx="5"/>
+          </p:nvPr>
+        </p:nvSpPr>
+        <p:spPr/>
+        <p:txBody>
+          <a:bodyPr/>
+          <a:lstStyle/>
+          <a:p>
+            <a:fld id="{50F1956A-EAFA-ED4D-A256-047278A79A30}" type="slidenum">
+              <a:rPr lang="en-US" smtClean="0"/>
+              <a:t>8</a:t>
+            </a:fld>
+            <a:endParaRPr lang="en-US"/>
+          </a:p>
+        </p:txBody>
+      </p:sp>
+    </p:spTree>
+    <p:extLst>
+      <p:ext uri="{BB962C8B-B14F-4D97-AF65-F5344CB8AC3E}">
+        <p14:creationId xmlns:p14="http://schemas.microsoft.com/office/powerpoint/2010/main" val="4205634305"/>
+      </p:ext>
+    </p:extLst>
+  </p:cSld>
+  <p:clrMapOvr>
+    <a:masterClrMapping/>
+  </p:clrMapOvr>
+</p:notes>
+</file>
+
 <file path=ppt/slideLayouts/slideLayout1.xml><?xml version="1.0" encoding="utf-8"?>
 <p:sldLayout xmlns:a="http://schemas.openxmlformats.org/drawingml/2006/main" xmlns:r="http://schemas.openxmlformats.org/officeDocument/2006/relationships" xmlns:p="http://schemas.openxmlformats.org/presentationml/2006/main" type="title" preserve="1">
   <p:cSld name="Title Slide">
@@ -264,7 +702,7 @@
           <a:p>
             <a:fld id="{0B10ED04-A107-3E4C-B0E2-6E352940321D}" type="datetimeFigureOut">
               <a:rPr lang="en-US" smtClean="0"/>
-              <a:t>2/28/23</a:t>
+              <a:t>3/8/23</a:t>
             </a:fld>
             <a:endParaRPr lang="en-US"/>
           </a:p>
@@ -462,7 +900,7 @@
           <a:p>
             <a:fld id="{0B10ED04-A107-3E4C-B0E2-6E352940321D}" type="datetimeFigureOut">
               <a:rPr lang="en-US" smtClean="0"/>
-              <a:t>2/28/23</a:t>
+              <a:t>3/8/23</a:t>
             </a:fld>
             <a:endParaRPr lang="en-US"/>
           </a:p>
@@ -670,7 +1108,7 @@
           <a:p>
             <a:fld id="{0B10ED04-A107-3E4C-B0E2-6E352940321D}" type="datetimeFigureOut">
               <a:rPr lang="en-US" smtClean="0"/>
-              <a:t>2/28/23</a:t>
+              <a:t>3/8/23</a:t>
             </a:fld>
             <a:endParaRPr lang="en-US"/>
           </a:p>
@@ -868,7 +1306,7 @@
           <a:p>
             <a:fld id="{0B10ED04-A107-3E4C-B0E2-6E352940321D}" type="datetimeFigureOut">
               <a:rPr lang="en-US" smtClean="0"/>
-              <a:t>2/28/23</a:t>
+              <a:t>3/8/23</a:t>
             </a:fld>
             <a:endParaRPr lang="en-US"/>
           </a:p>
@@ -1143,7 +1581,7 @@
           <a:p>
             <a:fld id="{0B10ED04-A107-3E4C-B0E2-6E352940321D}" type="datetimeFigureOut">
               <a:rPr lang="en-US" smtClean="0"/>
-              <a:t>2/28/23</a:t>
+              <a:t>3/8/23</a:t>
             </a:fld>
             <a:endParaRPr lang="en-US"/>
           </a:p>
@@ -1408,7 +1846,7 @@
           <a:p>
             <a:fld id="{0B10ED04-A107-3E4C-B0E2-6E352940321D}" type="datetimeFigureOut">
               <a:rPr lang="en-US" smtClean="0"/>
-              <a:t>2/28/23</a:t>
+              <a:t>3/8/23</a:t>
             </a:fld>
             <a:endParaRPr lang="en-US"/>
           </a:p>
@@ -1820,7 +2258,7 @@
           <a:p>
             <a:fld id="{0B10ED04-A107-3E4C-B0E2-6E352940321D}" type="datetimeFigureOut">
               <a:rPr lang="en-US" smtClean="0"/>
-              <a:t>2/28/23</a:t>
+              <a:t>3/8/23</a:t>
             </a:fld>
             <a:endParaRPr lang="en-US"/>
           </a:p>
@@ -1961,7 +2399,7 @@
           <a:p>
             <a:fld id="{0B10ED04-A107-3E4C-B0E2-6E352940321D}" type="datetimeFigureOut">
               <a:rPr lang="en-US" smtClean="0"/>
-              <a:t>2/28/23</a:t>
+              <a:t>3/8/23</a:t>
             </a:fld>
             <a:endParaRPr lang="en-US"/>
           </a:p>
@@ -2074,7 +2512,7 @@
           <a:p>
             <a:fld id="{0B10ED04-A107-3E4C-B0E2-6E352940321D}" type="datetimeFigureOut">
               <a:rPr lang="en-US" smtClean="0"/>
-              <a:t>2/28/23</a:t>
+              <a:t>3/8/23</a:t>
             </a:fld>
             <a:endParaRPr lang="en-US"/>
           </a:p>
@@ -2385,7 +2823,7 @@
           <a:p>
             <a:fld id="{0B10ED04-A107-3E4C-B0E2-6E352940321D}" type="datetimeFigureOut">
               <a:rPr lang="en-US" smtClean="0"/>
-              <a:t>2/28/23</a:t>
+              <a:t>3/8/23</a:t>
             </a:fld>
             <a:endParaRPr lang="en-US"/>
           </a:p>
@@ -2673,7 +3111,7 @@
           <a:p>
             <a:fld id="{0B10ED04-A107-3E4C-B0E2-6E352940321D}" type="datetimeFigureOut">
               <a:rPr lang="en-US" smtClean="0"/>
-              <a:t>2/28/23</a:t>
+              <a:t>3/8/23</a:t>
             </a:fld>
             <a:endParaRPr lang="en-US"/>
           </a:p>
@@ -2914,7 +3352,7 @@
           <a:p>
             <a:fld id="{0B10ED04-A107-3E4C-B0E2-6E352940321D}" type="datetimeFigureOut">
               <a:rPr lang="en-US" smtClean="0"/>
-              <a:t>2/28/23</a:t>
+              <a:t>3/8/23</a:t>
             </a:fld>
             <a:endParaRPr lang="en-US"/>
           </a:p>
@@ -5204,6 +5642,1145 @@
 </p:sld>
 </file>
 
+<file path=ppt/slides/slide7.xml><?xml version="1.0" encoding="utf-8"?>
+<p:sld xmlns:a="http://schemas.openxmlformats.org/drawingml/2006/main" xmlns:r="http://schemas.openxmlformats.org/officeDocument/2006/relationships" xmlns:p="http://schemas.openxmlformats.org/presentationml/2006/main">
+  <p:cSld>
+    <p:spTree>
+      <p:nvGrpSpPr>
+        <p:cNvPr id="1" name=""/>
+        <p:cNvGrpSpPr/>
+        <p:nvPr/>
+      </p:nvGrpSpPr>
+      <p:grpSpPr>
+        <a:xfrm>
+          <a:off x="0" y="0"/>
+          <a:ext cx="0" cy="0"/>
+          <a:chOff x="0" y="0"/>
+          <a:chExt cx="0" cy="0"/>
+        </a:xfrm>
+      </p:grpSpPr>
+      <p:pic>
+        <p:nvPicPr>
+          <p:cNvPr id="2" name="Picture 1">
+            <a:extLst>
+              <a:ext uri="{FF2B5EF4-FFF2-40B4-BE49-F238E27FC236}">
+                <a16:creationId xmlns:a16="http://schemas.microsoft.com/office/drawing/2014/main" id="{EFC965D0-3ED5-D560-CA9F-23AFC91F6EDD}"/>
+              </a:ext>
+            </a:extLst>
+          </p:cNvPr>
+          <p:cNvPicPr>
+            <a:picLocks noChangeAspect="1"/>
+          </p:cNvPicPr>
+          <p:nvPr/>
+        </p:nvPicPr>
+        <p:blipFill>
+          <a:blip r:embed="rId2"/>
+          <a:stretch>
+            <a:fillRect/>
+          </a:stretch>
+        </p:blipFill>
+        <p:spPr>
+          <a:xfrm>
+            <a:off x="189186" y="369332"/>
+            <a:ext cx="11216910" cy="2737986"/>
+          </a:xfrm>
+          <a:prstGeom prst="rect">
+            <a:avLst/>
+          </a:prstGeom>
+        </p:spPr>
+      </p:pic>
+      <p:sp>
+        <p:nvSpPr>
+          <p:cNvPr id="3" name="TextBox 2">
+            <a:extLst>
+              <a:ext uri="{FF2B5EF4-FFF2-40B4-BE49-F238E27FC236}">
+                <a16:creationId xmlns:a16="http://schemas.microsoft.com/office/drawing/2014/main" id="{1590F55E-080B-FBF1-7D8C-3A095DB049DD}"/>
+              </a:ext>
+            </a:extLst>
+          </p:cNvPr>
+          <p:cNvSpPr txBox="1"/>
+          <p:nvPr/>
+        </p:nvSpPr>
+        <p:spPr>
+          <a:xfrm>
+            <a:off x="189186" y="0"/>
+            <a:ext cx="2322786" cy="369332"/>
+          </a:xfrm>
+          <a:prstGeom prst="rect">
+            <a:avLst/>
+          </a:prstGeom>
+          <a:noFill/>
+        </p:spPr>
+        <p:txBody>
+          <a:bodyPr wrap="square" rtlCol="0">
+            <a:spAutoFit/>
+          </a:bodyPr>
+          <a:lstStyle/>
+          <a:p>
+            <a:r>
+              <a:rPr lang="en-US" dirty="0"/>
+              <a:t>Supplemental figures</a:t>
+            </a:r>
+          </a:p>
+        </p:txBody>
+      </p:sp>
+      <p:sp>
+        <p:nvSpPr>
+          <p:cNvPr id="4" name="TextBox 3">
+            <a:extLst>
+              <a:ext uri="{FF2B5EF4-FFF2-40B4-BE49-F238E27FC236}">
+                <a16:creationId xmlns:a16="http://schemas.microsoft.com/office/drawing/2014/main" id="{DA8CE186-4A37-0978-CEC7-66F9CEB63E7F}"/>
+              </a:ext>
+            </a:extLst>
+          </p:cNvPr>
+          <p:cNvSpPr txBox="1"/>
+          <p:nvPr/>
+        </p:nvSpPr>
+        <p:spPr>
+          <a:xfrm>
+            <a:off x="325821" y="3107318"/>
+            <a:ext cx="5917325" cy="369332"/>
+          </a:xfrm>
+          <a:prstGeom prst="rect">
+            <a:avLst/>
+          </a:prstGeom>
+          <a:noFill/>
+        </p:spPr>
+        <p:txBody>
+          <a:bodyPr wrap="square" rtlCol="0">
+            <a:spAutoFit/>
+          </a:bodyPr>
+          <a:lstStyle/>
+          <a:p>
+            <a:r>
+              <a:rPr lang="en-US" dirty="0"/>
+              <a:t>We are going to recreate this for 4 samples</a:t>
+            </a:r>
+          </a:p>
+        </p:txBody>
+      </p:sp>
+      <p:pic>
+        <p:nvPicPr>
+          <p:cNvPr id="5" name="Picture 4">
+            <a:extLst>
+              <a:ext uri="{FF2B5EF4-FFF2-40B4-BE49-F238E27FC236}">
+                <a16:creationId xmlns:a16="http://schemas.microsoft.com/office/drawing/2014/main" id="{483EB559-31A6-7E7C-8258-D9CA6215D8B1}"/>
+              </a:ext>
+            </a:extLst>
+          </p:cNvPr>
+          <p:cNvPicPr>
+            <a:picLocks noChangeAspect="1"/>
+          </p:cNvPicPr>
+          <p:nvPr/>
+        </p:nvPicPr>
+        <p:blipFill>
+          <a:blip r:embed="rId3"/>
+          <a:stretch>
+            <a:fillRect/>
+          </a:stretch>
+        </p:blipFill>
+        <p:spPr>
+          <a:xfrm>
+            <a:off x="325821" y="3717409"/>
+            <a:ext cx="7772400" cy="2497227"/>
+          </a:xfrm>
+          <a:prstGeom prst="rect">
+            <a:avLst/>
+          </a:prstGeom>
+        </p:spPr>
+      </p:pic>
+      <p:sp>
+        <p:nvSpPr>
+          <p:cNvPr id="6" name="TextBox 5">
+            <a:extLst>
+              <a:ext uri="{FF2B5EF4-FFF2-40B4-BE49-F238E27FC236}">
+                <a16:creationId xmlns:a16="http://schemas.microsoft.com/office/drawing/2014/main" id="{9438CF4F-A044-5340-3478-DB14A46A65BB}"/>
+              </a:ext>
+            </a:extLst>
+          </p:cNvPr>
+          <p:cNvSpPr txBox="1"/>
+          <p:nvPr/>
+        </p:nvSpPr>
+        <p:spPr>
+          <a:xfrm>
+            <a:off x="8508126" y="4642856"/>
+            <a:ext cx="2590798" cy="646331"/>
+          </a:xfrm>
+          <a:prstGeom prst="rect">
+            <a:avLst/>
+          </a:prstGeom>
+          <a:noFill/>
+        </p:spPr>
+        <p:txBody>
+          <a:bodyPr wrap="square" rtlCol="0">
+            <a:spAutoFit/>
+          </a:bodyPr>
+          <a:lstStyle/>
+          <a:p>
+            <a:r>
+              <a:rPr lang="en-US" dirty="0"/>
+              <a:t>You are going to recreate this for 4 samples</a:t>
+            </a:r>
+          </a:p>
+        </p:txBody>
+      </p:sp>
+    </p:spTree>
+    <p:extLst>
+      <p:ext uri="{BB962C8B-B14F-4D97-AF65-F5344CB8AC3E}">
+        <p14:creationId xmlns:p14="http://schemas.microsoft.com/office/powerpoint/2010/main" val="739451101"/>
+      </p:ext>
+    </p:extLst>
+  </p:cSld>
+  <p:clrMapOvr>
+    <a:masterClrMapping/>
+  </p:clrMapOvr>
+  <p:timing>
+    <p:tnLst>
+      <p:par>
+        <p:cTn id="1" dur="indefinite" restart="never" nodeType="tmRoot">
+          <p:childTnLst>
+            <p:seq concurrent="1" nextAc="seek">
+              <p:cTn id="2" dur="indefinite" nodeType="mainSeq">
+                <p:childTnLst>
+                  <p:par>
+                    <p:cTn id="3" fill="hold">
+                      <p:stCondLst>
+                        <p:cond delay="indefinite"/>
+                      </p:stCondLst>
+                      <p:childTnLst>
+                        <p:par>
+                          <p:cTn id="4" fill="hold">
+                            <p:stCondLst>
+                              <p:cond delay="0"/>
+                            </p:stCondLst>
+                            <p:childTnLst>
+                              <p:par>
+                                <p:cTn id="5" presetID="9" presetClass="entr" presetSubtype="0" fill="hold" nodeType="clickEffect">
+                                  <p:stCondLst>
+                                    <p:cond delay="0"/>
+                                  </p:stCondLst>
+                                  <p:childTnLst>
+                                    <p:set>
+                                      <p:cBhvr>
+                                        <p:cTn id="6" dur="1" fill="hold">
+                                          <p:stCondLst>
+                                            <p:cond delay="0"/>
+                                          </p:stCondLst>
+                                        </p:cTn>
+                                        <p:tgtEl>
+                                          <p:spTgt spid="5"/>
+                                        </p:tgtEl>
+                                        <p:attrNameLst>
+                                          <p:attrName>style.visibility</p:attrName>
+                                        </p:attrNameLst>
+                                      </p:cBhvr>
+                                      <p:to>
+                                        <p:strVal val="visible"/>
+                                      </p:to>
+                                    </p:set>
+                                    <p:animEffect transition="in" filter="dissolve">
+                                      <p:cBhvr>
+                                        <p:cTn id="7" dur="500"/>
+                                        <p:tgtEl>
+                                          <p:spTgt spid="5"/>
+                                        </p:tgtEl>
+                                      </p:cBhvr>
+                                    </p:animEffect>
+                                  </p:childTnLst>
+                                </p:cTn>
+                              </p:par>
+                              <p:par>
+                                <p:cTn id="8" presetID="9" presetClass="entr" presetSubtype="0" fill="hold" grpId="0" nodeType="withEffect">
+                                  <p:stCondLst>
+                                    <p:cond delay="0"/>
+                                  </p:stCondLst>
+                                  <p:childTnLst>
+                                    <p:set>
+                                      <p:cBhvr>
+                                        <p:cTn id="9" dur="1" fill="hold">
+                                          <p:stCondLst>
+                                            <p:cond delay="0"/>
+                                          </p:stCondLst>
+                                        </p:cTn>
+                                        <p:tgtEl>
+                                          <p:spTgt spid="6"/>
+                                        </p:tgtEl>
+                                        <p:attrNameLst>
+                                          <p:attrName>style.visibility</p:attrName>
+                                        </p:attrNameLst>
+                                      </p:cBhvr>
+                                      <p:to>
+                                        <p:strVal val="visible"/>
+                                      </p:to>
+                                    </p:set>
+                                    <p:animEffect transition="in" filter="dissolve">
+                                      <p:cBhvr>
+                                        <p:cTn id="10" dur="500"/>
+                                        <p:tgtEl>
+                                          <p:spTgt spid="6"/>
+                                        </p:tgtEl>
+                                      </p:cBhvr>
+                                    </p:animEffect>
+                                  </p:childTnLst>
+                                </p:cTn>
+                              </p:par>
+                            </p:childTnLst>
+                          </p:cTn>
+                        </p:par>
+                      </p:childTnLst>
+                    </p:cTn>
+                  </p:par>
+                </p:childTnLst>
+              </p:cTn>
+              <p:prevCondLst>
+                <p:cond evt="onPrev" delay="0">
+                  <p:tgtEl>
+                    <p:sldTgt/>
+                  </p:tgtEl>
+                </p:cond>
+              </p:prevCondLst>
+              <p:nextCondLst>
+                <p:cond evt="onNext" delay="0">
+                  <p:tgtEl>
+                    <p:sldTgt/>
+                  </p:tgtEl>
+                </p:cond>
+              </p:nextCondLst>
+            </p:seq>
+          </p:childTnLst>
+        </p:cTn>
+      </p:par>
+    </p:tnLst>
+    <p:bldLst>
+      <p:bldP spid="6" grpId="0"/>
+    </p:bldLst>
+  </p:timing>
+</p:sld>
+</file>
+
+<file path=ppt/slides/slide8.xml><?xml version="1.0" encoding="utf-8"?>
+<p:sld xmlns:a="http://schemas.openxmlformats.org/drawingml/2006/main" xmlns:r="http://schemas.openxmlformats.org/officeDocument/2006/relationships" xmlns:p="http://schemas.openxmlformats.org/presentationml/2006/main">
+  <p:cSld>
+    <p:spTree>
+      <p:nvGrpSpPr>
+        <p:cNvPr id="1" name=""/>
+        <p:cNvGrpSpPr/>
+        <p:nvPr/>
+      </p:nvGrpSpPr>
+      <p:grpSpPr>
+        <a:xfrm>
+          <a:off x="0" y="0"/>
+          <a:ext cx="0" cy="0"/>
+          <a:chOff x="0" y="0"/>
+          <a:chExt cx="0" cy="0"/>
+        </a:xfrm>
+      </p:grpSpPr>
+      <p:pic>
+        <p:nvPicPr>
+          <p:cNvPr id="6" name="Picture 5">
+            <a:extLst>
+              <a:ext uri="{FF2B5EF4-FFF2-40B4-BE49-F238E27FC236}">
+                <a16:creationId xmlns:a16="http://schemas.microsoft.com/office/drawing/2014/main" id="{8D8D2EC3-FDD3-8859-F7DA-7F83884D8AE1}"/>
+              </a:ext>
+            </a:extLst>
+          </p:cNvPr>
+          <p:cNvPicPr>
+            <a:picLocks noChangeAspect="1"/>
+          </p:cNvPicPr>
+          <p:nvPr/>
+        </p:nvPicPr>
+        <p:blipFill>
+          <a:blip r:embed="rId3"/>
+          <a:stretch>
+            <a:fillRect/>
+          </a:stretch>
+        </p:blipFill>
+        <p:spPr>
+          <a:xfrm>
+            <a:off x="362492" y="4681542"/>
+            <a:ext cx="2640200" cy="1519561"/>
+          </a:xfrm>
+          <a:prstGeom prst="rect">
+            <a:avLst/>
+          </a:prstGeom>
+        </p:spPr>
+      </p:pic>
+      <p:pic>
+        <p:nvPicPr>
+          <p:cNvPr id="9" name="Picture 8">
+            <a:extLst>
+              <a:ext uri="{FF2B5EF4-FFF2-40B4-BE49-F238E27FC236}">
+                <a16:creationId xmlns:a16="http://schemas.microsoft.com/office/drawing/2014/main" id="{795B0B23-DD47-67A8-039E-B7554035F0BC}"/>
+              </a:ext>
+            </a:extLst>
+          </p:cNvPr>
+          <p:cNvPicPr>
+            <a:picLocks noChangeAspect="1"/>
+          </p:cNvPicPr>
+          <p:nvPr/>
+        </p:nvPicPr>
+        <p:blipFill>
+          <a:blip r:embed="rId4"/>
+          <a:stretch>
+            <a:fillRect/>
+          </a:stretch>
+        </p:blipFill>
+        <p:spPr>
+          <a:xfrm>
+            <a:off x="514351" y="450347"/>
+            <a:ext cx="4480560" cy="2490870"/>
+          </a:xfrm>
+          <a:prstGeom prst="rect">
+            <a:avLst/>
+          </a:prstGeom>
+        </p:spPr>
+      </p:pic>
+      <p:pic>
+        <p:nvPicPr>
+          <p:cNvPr id="14" name="Picture 13">
+            <a:extLst>
+              <a:ext uri="{FF2B5EF4-FFF2-40B4-BE49-F238E27FC236}">
+                <a16:creationId xmlns:a16="http://schemas.microsoft.com/office/drawing/2014/main" id="{D42AAC69-C71A-1D85-A0D0-FC2E53C410A8}"/>
+              </a:ext>
+            </a:extLst>
+          </p:cNvPr>
+          <p:cNvPicPr>
+            <a:picLocks noChangeAspect="1"/>
+          </p:cNvPicPr>
+          <p:nvPr/>
+        </p:nvPicPr>
+        <p:blipFill>
+          <a:blip r:embed="rId5"/>
+          <a:stretch>
+            <a:fillRect/>
+          </a:stretch>
+        </p:blipFill>
+        <p:spPr>
+          <a:xfrm>
+            <a:off x="3664102" y="5580195"/>
+            <a:ext cx="8527898" cy="1124082"/>
+          </a:xfrm>
+          <a:prstGeom prst="rect">
+            <a:avLst/>
+          </a:prstGeom>
+        </p:spPr>
+      </p:pic>
+      <p:sp>
+        <p:nvSpPr>
+          <p:cNvPr id="17" name="TextBox 16">
+            <a:extLst>
+              <a:ext uri="{FF2B5EF4-FFF2-40B4-BE49-F238E27FC236}">
+                <a16:creationId xmlns:a16="http://schemas.microsoft.com/office/drawing/2014/main" id="{63780B99-0E8B-ACBF-FD13-4332B2730E21}"/>
+              </a:ext>
+            </a:extLst>
+          </p:cNvPr>
+          <p:cNvSpPr txBox="1"/>
+          <p:nvPr/>
+        </p:nvSpPr>
+        <p:spPr>
+          <a:xfrm>
+            <a:off x="0" y="-11318"/>
+            <a:ext cx="7087804" cy="461665"/>
+          </a:xfrm>
+          <a:prstGeom prst="rect">
+            <a:avLst/>
+          </a:prstGeom>
+          <a:noFill/>
+        </p:spPr>
+        <p:txBody>
+          <a:bodyPr wrap="square" rtlCol="0">
+            <a:spAutoFit/>
+          </a:bodyPr>
+          <a:lstStyle/>
+          <a:p>
+            <a:r>
+              <a:rPr lang="en-US" sz="2400" b="1" dirty="0">
+                <a:solidFill>
+                  <a:schemeClr val="accent5">
+                    <a:lumMod val="50000"/>
+                  </a:schemeClr>
+                </a:solidFill>
+                <a:effectLst/>
+                <a:latin typeface="Calibri" panose="020F0502020204030204" pitchFamily="34" charset="0"/>
+                <a:cs typeface="Calibri" panose="020F0502020204030204" pitchFamily="34" charset="0"/>
+              </a:rPr>
+              <a:t>How it works: From cells to sequencing-ready libraries </a:t>
+            </a:r>
+          </a:p>
+        </p:txBody>
+      </p:sp>
+      <p:grpSp>
+        <p:nvGrpSpPr>
+          <p:cNvPr id="24" name="Group 23">
+            <a:extLst>
+              <a:ext uri="{FF2B5EF4-FFF2-40B4-BE49-F238E27FC236}">
+                <a16:creationId xmlns:a16="http://schemas.microsoft.com/office/drawing/2014/main" id="{BCC9206A-466D-45A7-65C4-613A809B5D17}"/>
+              </a:ext>
+            </a:extLst>
+          </p:cNvPr>
+          <p:cNvGrpSpPr/>
+          <p:nvPr/>
+        </p:nvGrpSpPr>
+        <p:grpSpPr>
+          <a:xfrm>
+            <a:off x="994609" y="2565944"/>
+            <a:ext cx="4580987" cy="2711848"/>
+            <a:chOff x="994609" y="2565944"/>
+            <a:chExt cx="4580987" cy="2711848"/>
+          </a:xfrm>
+        </p:grpSpPr>
+        <p:pic>
+          <p:nvPicPr>
+            <p:cNvPr id="10" name="Picture 9">
+              <a:extLst>
+                <a:ext uri="{FF2B5EF4-FFF2-40B4-BE49-F238E27FC236}">
+                  <a16:creationId xmlns:a16="http://schemas.microsoft.com/office/drawing/2014/main" id="{84CB59DA-1846-87B9-C8A0-D51A1156231E}"/>
+                </a:ext>
+              </a:extLst>
+            </p:cNvPr>
+            <p:cNvPicPr>
+              <a:picLocks noChangeAspect="1"/>
+            </p:cNvPicPr>
+            <p:nvPr/>
+          </p:nvPicPr>
+          <p:blipFill>
+            <a:blip r:embed="rId6"/>
+            <a:stretch>
+              <a:fillRect/>
+            </a:stretch>
+          </p:blipFill>
+          <p:spPr>
+            <a:xfrm>
+              <a:off x="2158066" y="3086249"/>
+              <a:ext cx="3417530" cy="1481726"/>
+            </a:xfrm>
+            <a:prstGeom prst="rect">
+              <a:avLst/>
+            </a:prstGeom>
+          </p:spPr>
+        </p:pic>
+        <p:cxnSp>
+          <p:nvCxnSpPr>
+            <p:cNvPr id="20" name="Straight Arrow Connector 19">
+              <a:extLst>
+                <a:ext uri="{FF2B5EF4-FFF2-40B4-BE49-F238E27FC236}">
+                  <a16:creationId xmlns:a16="http://schemas.microsoft.com/office/drawing/2014/main" id="{3AEC5BC4-9E43-17ED-6269-4C83E62D21E5}"/>
+                </a:ext>
+              </a:extLst>
+            </p:cNvPr>
+            <p:cNvCxnSpPr/>
+            <p:nvPr/>
+          </p:nvCxnSpPr>
+          <p:spPr>
+            <a:xfrm flipV="1">
+              <a:off x="3057089" y="4640902"/>
+              <a:ext cx="786988" cy="636890"/>
+            </a:xfrm>
+            <a:prstGeom prst="straightConnector1">
+              <a:avLst/>
+            </a:prstGeom>
+            <a:ln w="19050">
+              <a:tailEnd type="triangle"/>
+            </a:ln>
+          </p:spPr>
+          <p:style>
+            <a:lnRef idx="1">
+              <a:schemeClr val="accent1"/>
+            </a:lnRef>
+            <a:fillRef idx="0">
+              <a:schemeClr val="accent1"/>
+            </a:fillRef>
+            <a:effectRef idx="0">
+              <a:schemeClr val="accent1"/>
+            </a:effectRef>
+            <a:fontRef idx="minor">
+              <a:schemeClr val="tx1"/>
+            </a:fontRef>
+          </p:style>
+        </p:cxnSp>
+        <p:cxnSp>
+          <p:nvCxnSpPr>
+            <p:cNvPr id="22" name="Straight Arrow Connector 21">
+              <a:extLst>
+                <a:ext uri="{FF2B5EF4-FFF2-40B4-BE49-F238E27FC236}">
+                  <a16:creationId xmlns:a16="http://schemas.microsoft.com/office/drawing/2014/main" id="{02B4BDEB-DE73-1852-1375-44C2AE9B49BD}"/>
+                </a:ext>
+              </a:extLst>
+            </p:cNvPr>
+            <p:cNvCxnSpPr>
+              <a:cxnSpLocks/>
+            </p:cNvCxnSpPr>
+            <p:nvPr/>
+          </p:nvCxnSpPr>
+          <p:spPr>
+            <a:xfrm>
+              <a:off x="994609" y="2565944"/>
+              <a:ext cx="1078031" cy="1142456"/>
+            </a:xfrm>
+            <a:prstGeom prst="straightConnector1">
+              <a:avLst/>
+            </a:prstGeom>
+            <a:ln w="19050">
+              <a:tailEnd type="triangle"/>
+            </a:ln>
+          </p:spPr>
+          <p:style>
+            <a:lnRef idx="1">
+              <a:schemeClr val="accent1"/>
+            </a:lnRef>
+            <a:fillRef idx="0">
+              <a:schemeClr val="accent1"/>
+            </a:fillRef>
+            <a:effectRef idx="0">
+              <a:schemeClr val="accent1"/>
+            </a:effectRef>
+            <a:fontRef idx="minor">
+              <a:schemeClr val="tx1"/>
+            </a:fontRef>
+          </p:style>
+        </p:cxnSp>
+      </p:grpSp>
+      <p:grpSp>
+        <p:nvGrpSpPr>
+          <p:cNvPr id="26" name="Group 25">
+            <a:extLst>
+              <a:ext uri="{FF2B5EF4-FFF2-40B4-BE49-F238E27FC236}">
+                <a16:creationId xmlns:a16="http://schemas.microsoft.com/office/drawing/2014/main" id="{53FCDAF4-EE44-7A7D-D86B-4D2228BE7E68}"/>
+              </a:ext>
+            </a:extLst>
+          </p:cNvPr>
+          <p:cNvGrpSpPr/>
+          <p:nvPr/>
+        </p:nvGrpSpPr>
+        <p:grpSpPr>
+          <a:xfrm>
+            <a:off x="5774940" y="491101"/>
+            <a:ext cx="6051449" cy="2646071"/>
+            <a:chOff x="5774940" y="491101"/>
+            <a:chExt cx="6051449" cy="2646071"/>
+          </a:xfrm>
+        </p:grpSpPr>
+        <p:pic>
+          <p:nvPicPr>
+            <p:cNvPr id="11" name="Picture 10">
+              <a:extLst>
+                <a:ext uri="{FF2B5EF4-FFF2-40B4-BE49-F238E27FC236}">
+                  <a16:creationId xmlns:a16="http://schemas.microsoft.com/office/drawing/2014/main" id="{D1848306-6E60-558F-3827-A194DAE3EC68}"/>
+                </a:ext>
+              </a:extLst>
+            </p:cNvPr>
+            <p:cNvPicPr>
+              <a:picLocks noChangeAspect="1"/>
+            </p:cNvPicPr>
+            <p:nvPr/>
+          </p:nvPicPr>
+          <p:blipFill>
+            <a:blip r:embed="rId7"/>
+            <a:stretch>
+              <a:fillRect/>
+            </a:stretch>
+          </p:blipFill>
+          <p:spPr>
+            <a:xfrm>
+              <a:off x="6741970" y="491101"/>
+              <a:ext cx="5084419" cy="2488626"/>
+            </a:xfrm>
+            <a:prstGeom prst="rect">
+              <a:avLst/>
+            </a:prstGeom>
+          </p:spPr>
+        </p:pic>
+        <p:cxnSp>
+          <p:nvCxnSpPr>
+            <p:cNvPr id="25" name="Straight Arrow Connector 24">
+              <a:extLst>
+                <a:ext uri="{FF2B5EF4-FFF2-40B4-BE49-F238E27FC236}">
+                  <a16:creationId xmlns:a16="http://schemas.microsoft.com/office/drawing/2014/main" id="{D1751549-F17F-25E7-6948-FD869E591083}"/>
+                </a:ext>
+              </a:extLst>
+            </p:cNvPr>
+            <p:cNvCxnSpPr/>
+            <p:nvPr/>
+          </p:nvCxnSpPr>
+          <p:spPr>
+            <a:xfrm flipV="1">
+              <a:off x="5774940" y="2500282"/>
+              <a:ext cx="786988" cy="636890"/>
+            </a:xfrm>
+            <a:prstGeom prst="straightConnector1">
+              <a:avLst/>
+            </a:prstGeom>
+            <a:ln w="19050">
+              <a:tailEnd type="triangle"/>
+            </a:ln>
+          </p:spPr>
+          <p:style>
+            <a:lnRef idx="1">
+              <a:schemeClr val="accent1"/>
+            </a:lnRef>
+            <a:fillRef idx="0">
+              <a:schemeClr val="accent1"/>
+            </a:fillRef>
+            <a:effectRef idx="0">
+              <a:schemeClr val="accent1"/>
+            </a:effectRef>
+            <a:fontRef idx="minor">
+              <a:schemeClr val="tx1"/>
+            </a:fontRef>
+          </p:style>
+        </p:cxnSp>
+      </p:grpSp>
+      <p:grpSp>
+        <p:nvGrpSpPr>
+          <p:cNvPr id="31" name="Group 30">
+            <a:extLst>
+              <a:ext uri="{FF2B5EF4-FFF2-40B4-BE49-F238E27FC236}">
+                <a16:creationId xmlns:a16="http://schemas.microsoft.com/office/drawing/2014/main" id="{BEF09A84-03CF-AABF-CA72-2756122E841A}"/>
+              </a:ext>
+            </a:extLst>
+          </p:cNvPr>
+          <p:cNvGrpSpPr/>
+          <p:nvPr/>
+        </p:nvGrpSpPr>
+        <p:grpSpPr>
+          <a:xfrm>
+            <a:off x="7940642" y="2998581"/>
+            <a:ext cx="2528896" cy="2442741"/>
+            <a:chOff x="7940642" y="2998581"/>
+            <a:chExt cx="2528896" cy="2442741"/>
+          </a:xfrm>
+        </p:grpSpPr>
+        <p:grpSp>
+          <p:nvGrpSpPr>
+            <p:cNvPr id="16" name="Group 15">
+              <a:extLst>
+                <a:ext uri="{FF2B5EF4-FFF2-40B4-BE49-F238E27FC236}">
+                  <a16:creationId xmlns:a16="http://schemas.microsoft.com/office/drawing/2014/main" id="{66BFDA14-5FDF-432F-0778-A62D05A8E301}"/>
+                </a:ext>
+              </a:extLst>
+            </p:cNvPr>
+            <p:cNvGrpSpPr/>
+            <p:nvPr/>
+          </p:nvGrpSpPr>
+          <p:grpSpPr>
+            <a:xfrm>
+              <a:off x="7940642" y="3443804"/>
+              <a:ext cx="2528896" cy="1997518"/>
+              <a:chOff x="7575884" y="3008985"/>
+              <a:chExt cx="2717683" cy="2309447"/>
+            </a:xfrm>
+          </p:grpSpPr>
+          <p:pic>
+            <p:nvPicPr>
+              <p:cNvPr id="12" name="Picture 11">
+                <a:extLst>
+                  <a:ext uri="{FF2B5EF4-FFF2-40B4-BE49-F238E27FC236}">
+                    <a16:creationId xmlns:a16="http://schemas.microsoft.com/office/drawing/2014/main" id="{C0E4E093-9A12-B7ED-DF54-39C9729B5285}"/>
+                  </a:ext>
+                </a:extLst>
+              </p:cNvPr>
+              <p:cNvPicPr>
+                <a:picLocks noChangeAspect="1"/>
+              </p:cNvPicPr>
+              <p:nvPr/>
+            </p:nvPicPr>
+            <p:blipFill>
+              <a:blip r:embed="rId8"/>
+              <a:stretch>
+                <a:fillRect/>
+              </a:stretch>
+            </p:blipFill>
+            <p:spPr>
+              <a:xfrm>
+                <a:off x="7575884" y="3008985"/>
+                <a:ext cx="1015502" cy="2309447"/>
+              </a:xfrm>
+              <a:prstGeom prst="rect">
+                <a:avLst/>
+              </a:prstGeom>
+            </p:spPr>
+          </p:pic>
+          <p:pic>
+            <p:nvPicPr>
+              <p:cNvPr id="15" name="Picture 14">
+                <a:extLst>
+                  <a:ext uri="{FF2B5EF4-FFF2-40B4-BE49-F238E27FC236}">
+                    <a16:creationId xmlns:a16="http://schemas.microsoft.com/office/drawing/2014/main" id="{FA3A7E00-8C11-B647-8A26-43EEAA502BF3}"/>
+                  </a:ext>
+                </a:extLst>
+              </p:cNvPr>
+              <p:cNvPicPr>
+                <a:picLocks noChangeAspect="1"/>
+              </p:cNvPicPr>
+              <p:nvPr/>
+            </p:nvPicPr>
+            <p:blipFill>
+              <a:blip r:embed="rId9"/>
+              <a:stretch>
+                <a:fillRect/>
+              </a:stretch>
+            </p:blipFill>
+            <p:spPr>
+              <a:xfrm>
+                <a:off x="8591386" y="3008985"/>
+                <a:ext cx="1702181" cy="2309447"/>
+              </a:xfrm>
+              <a:prstGeom prst="rect">
+                <a:avLst/>
+              </a:prstGeom>
+            </p:spPr>
+          </p:pic>
+        </p:grpSp>
+        <p:cxnSp>
+          <p:nvCxnSpPr>
+            <p:cNvPr id="27" name="Straight Arrow Connector 26">
+              <a:extLst>
+                <a:ext uri="{FF2B5EF4-FFF2-40B4-BE49-F238E27FC236}">
+                  <a16:creationId xmlns:a16="http://schemas.microsoft.com/office/drawing/2014/main" id="{BF6D625C-3A38-6843-DF17-9D3BD94465F1}"/>
+                </a:ext>
+              </a:extLst>
+            </p:cNvPr>
+            <p:cNvCxnSpPr>
+              <a:cxnSpLocks/>
+            </p:cNvCxnSpPr>
+            <p:nvPr/>
+          </p:nvCxnSpPr>
+          <p:spPr>
+            <a:xfrm>
+              <a:off x="8413121" y="2998581"/>
+              <a:ext cx="0" cy="419208"/>
+            </a:xfrm>
+            <a:prstGeom prst="straightConnector1">
+              <a:avLst/>
+            </a:prstGeom>
+            <a:ln w="19050">
+              <a:tailEnd type="triangle"/>
+            </a:ln>
+          </p:spPr>
+          <p:style>
+            <a:lnRef idx="1">
+              <a:schemeClr val="accent1"/>
+            </a:lnRef>
+            <a:fillRef idx="0">
+              <a:schemeClr val="accent1"/>
+            </a:fillRef>
+            <a:effectRef idx="0">
+              <a:schemeClr val="accent1"/>
+            </a:effectRef>
+            <a:fontRef idx="minor">
+              <a:schemeClr val="tx1"/>
+            </a:fontRef>
+          </p:style>
+        </p:cxnSp>
+      </p:grpSp>
+    </p:spTree>
+    <p:extLst>
+      <p:ext uri="{BB962C8B-B14F-4D97-AF65-F5344CB8AC3E}">
+        <p14:creationId xmlns:p14="http://schemas.microsoft.com/office/powerpoint/2010/main" val="3985450674"/>
+      </p:ext>
+    </p:extLst>
+  </p:cSld>
+  <p:clrMapOvr>
+    <a:masterClrMapping/>
+  </p:clrMapOvr>
+  <p:timing>
+    <p:tnLst>
+      <p:par>
+        <p:cTn id="1" dur="indefinite" restart="never" nodeType="tmRoot">
+          <p:childTnLst>
+            <p:seq concurrent="1" nextAc="seek">
+              <p:cTn id="2" dur="indefinite" nodeType="mainSeq">
+                <p:childTnLst>
+                  <p:par>
+                    <p:cTn id="3" fill="hold">
+                      <p:stCondLst>
+                        <p:cond delay="indefinite"/>
+                      </p:stCondLst>
+                      <p:childTnLst>
+                        <p:par>
+                          <p:cTn id="4" fill="hold">
+                            <p:stCondLst>
+                              <p:cond delay="0"/>
+                            </p:stCondLst>
+                            <p:childTnLst>
+                              <p:par>
+                                <p:cTn id="5" presetID="9" presetClass="entr" presetSubtype="0" fill="hold" nodeType="clickEffect">
+                                  <p:stCondLst>
+                                    <p:cond delay="0"/>
+                                  </p:stCondLst>
+                                  <p:childTnLst>
+                                    <p:set>
+                                      <p:cBhvr>
+                                        <p:cTn id="6" dur="1" fill="hold">
+                                          <p:stCondLst>
+                                            <p:cond delay="0"/>
+                                          </p:stCondLst>
+                                        </p:cTn>
+                                        <p:tgtEl>
+                                          <p:spTgt spid="9"/>
+                                        </p:tgtEl>
+                                        <p:attrNameLst>
+                                          <p:attrName>style.visibility</p:attrName>
+                                        </p:attrNameLst>
+                                      </p:cBhvr>
+                                      <p:to>
+                                        <p:strVal val="visible"/>
+                                      </p:to>
+                                    </p:set>
+                                    <p:animEffect transition="in" filter="dissolve">
+                                      <p:cBhvr>
+                                        <p:cTn id="7" dur="500"/>
+                                        <p:tgtEl>
+                                          <p:spTgt spid="9"/>
+                                        </p:tgtEl>
+                                      </p:cBhvr>
+                                    </p:animEffect>
+                                  </p:childTnLst>
+                                </p:cTn>
+                              </p:par>
+                            </p:childTnLst>
+                          </p:cTn>
+                        </p:par>
+                      </p:childTnLst>
+                    </p:cTn>
+                  </p:par>
+                  <p:par>
+                    <p:cTn id="8" fill="hold">
+                      <p:stCondLst>
+                        <p:cond delay="indefinite"/>
+                      </p:stCondLst>
+                      <p:childTnLst>
+                        <p:par>
+                          <p:cTn id="9" fill="hold">
+                            <p:stCondLst>
+                              <p:cond delay="0"/>
+                            </p:stCondLst>
+                            <p:childTnLst>
+                              <p:par>
+                                <p:cTn id="10" presetID="9" presetClass="entr" presetSubtype="0" fill="hold" nodeType="clickEffect">
+                                  <p:stCondLst>
+                                    <p:cond delay="0"/>
+                                  </p:stCondLst>
+                                  <p:childTnLst>
+                                    <p:set>
+                                      <p:cBhvr>
+                                        <p:cTn id="11" dur="1" fill="hold">
+                                          <p:stCondLst>
+                                            <p:cond delay="0"/>
+                                          </p:stCondLst>
+                                        </p:cTn>
+                                        <p:tgtEl>
+                                          <p:spTgt spid="24"/>
+                                        </p:tgtEl>
+                                        <p:attrNameLst>
+                                          <p:attrName>style.visibility</p:attrName>
+                                        </p:attrNameLst>
+                                      </p:cBhvr>
+                                      <p:to>
+                                        <p:strVal val="visible"/>
+                                      </p:to>
+                                    </p:set>
+                                    <p:animEffect transition="in" filter="dissolve">
+                                      <p:cBhvr>
+                                        <p:cTn id="12" dur="500"/>
+                                        <p:tgtEl>
+                                          <p:spTgt spid="24"/>
+                                        </p:tgtEl>
+                                      </p:cBhvr>
+                                    </p:animEffect>
+                                  </p:childTnLst>
+                                </p:cTn>
+                              </p:par>
+                            </p:childTnLst>
+                          </p:cTn>
+                        </p:par>
+                      </p:childTnLst>
+                    </p:cTn>
+                  </p:par>
+                  <p:par>
+                    <p:cTn id="13" fill="hold">
+                      <p:stCondLst>
+                        <p:cond delay="indefinite"/>
+                      </p:stCondLst>
+                      <p:childTnLst>
+                        <p:par>
+                          <p:cTn id="14" fill="hold">
+                            <p:stCondLst>
+                              <p:cond delay="0"/>
+                            </p:stCondLst>
+                            <p:childTnLst>
+                              <p:par>
+                                <p:cTn id="15" presetID="9" presetClass="entr" presetSubtype="0" fill="hold" nodeType="clickEffect">
+                                  <p:stCondLst>
+                                    <p:cond delay="0"/>
+                                  </p:stCondLst>
+                                  <p:childTnLst>
+                                    <p:set>
+                                      <p:cBhvr>
+                                        <p:cTn id="16" dur="1" fill="hold">
+                                          <p:stCondLst>
+                                            <p:cond delay="0"/>
+                                          </p:stCondLst>
+                                        </p:cTn>
+                                        <p:tgtEl>
+                                          <p:spTgt spid="26"/>
+                                        </p:tgtEl>
+                                        <p:attrNameLst>
+                                          <p:attrName>style.visibility</p:attrName>
+                                        </p:attrNameLst>
+                                      </p:cBhvr>
+                                      <p:to>
+                                        <p:strVal val="visible"/>
+                                      </p:to>
+                                    </p:set>
+                                    <p:animEffect transition="in" filter="dissolve">
+                                      <p:cBhvr>
+                                        <p:cTn id="17" dur="500"/>
+                                        <p:tgtEl>
+                                          <p:spTgt spid="26"/>
+                                        </p:tgtEl>
+                                      </p:cBhvr>
+                                    </p:animEffect>
+                                  </p:childTnLst>
+                                </p:cTn>
+                              </p:par>
+                            </p:childTnLst>
+                          </p:cTn>
+                        </p:par>
+                      </p:childTnLst>
+                    </p:cTn>
+                  </p:par>
+                  <p:par>
+                    <p:cTn id="18" fill="hold">
+                      <p:stCondLst>
+                        <p:cond delay="indefinite"/>
+                      </p:stCondLst>
+                      <p:childTnLst>
+                        <p:par>
+                          <p:cTn id="19" fill="hold">
+                            <p:stCondLst>
+                              <p:cond delay="0"/>
+                            </p:stCondLst>
+                            <p:childTnLst>
+                              <p:par>
+                                <p:cTn id="20" presetID="9" presetClass="entr" presetSubtype="0" fill="hold" nodeType="clickEffect">
+                                  <p:stCondLst>
+                                    <p:cond delay="0"/>
+                                  </p:stCondLst>
+                                  <p:childTnLst>
+                                    <p:set>
+                                      <p:cBhvr>
+                                        <p:cTn id="21" dur="1" fill="hold">
+                                          <p:stCondLst>
+                                            <p:cond delay="0"/>
+                                          </p:stCondLst>
+                                        </p:cTn>
+                                        <p:tgtEl>
+                                          <p:spTgt spid="31"/>
+                                        </p:tgtEl>
+                                        <p:attrNameLst>
+                                          <p:attrName>style.visibility</p:attrName>
+                                        </p:attrNameLst>
+                                      </p:cBhvr>
+                                      <p:to>
+                                        <p:strVal val="visible"/>
+                                      </p:to>
+                                    </p:set>
+                                    <p:animEffect transition="in" filter="dissolve">
+                                      <p:cBhvr>
+                                        <p:cTn id="22" dur="500"/>
+                                        <p:tgtEl>
+                                          <p:spTgt spid="31"/>
+                                        </p:tgtEl>
+                                      </p:cBhvr>
+                                    </p:animEffect>
+                                  </p:childTnLst>
+                                </p:cTn>
+                              </p:par>
+                            </p:childTnLst>
+                          </p:cTn>
+                        </p:par>
+                      </p:childTnLst>
+                    </p:cTn>
+                  </p:par>
+                  <p:par>
+                    <p:cTn id="23" fill="hold">
+                      <p:stCondLst>
+                        <p:cond delay="indefinite"/>
+                      </p:stCondLst>
+                      <p:childTnLst>
+                        <p:par>
+                          <p:cTn id="24" fill="hold">
+                            <p:stCondLst>
+                              <p:cond delay="0"/>
+                            </p:stCondLst>
+                            <p:childTnLst>
+                              <p:par>
+                                <p:cTn id="25" presetID="9" presetClass="entr" presetSubtype="0" fill="hold" nodeType="clickEffect">
+                                  <p:stCondLst>
+                                    <p:cond delay="0"/>
+                                  </p:stCondLst>
+                                  <p:childTnLst>
+                                    <p:set>
+                                      <p:cBhvr>
+                                        <p:cTn id="26" dur="1" fill="hold">
+                                          <p:stCondLst>
+                                            <p:cond delay="0"/>
+                                          </p:stCondLst>
+                                        </p:cTn>
+                                        <p:tgtEl>
+                                          <p:spTgt spid="14"/>
+                                        </p:tgtEl>
+                                        <p:attrNameLst>
+                                          <p:attrName>style.visibility</p:attrName>
+                                        </p:attrNameLst>
+                                      </p:cBhvr>
+                                      <p:to>
+                                        <p:strVal val="visible"/>
+                                      </p:to>
+                                    </p:set>
+                                    <p:animEffect transition="in" filter="dissolve">
+                                      <p:cBhvr>
+                                        <p:cTn id="27" dur="500"/>
+                                        <p:tgtEl>
+                                          <p:spTgt spid="14"/>
+                                        </p:tgtEl>
+                                      </p:cBhvr>
+                                    </p:animEffect>
+                                  </p:childTnLst>
+                                </p:cTn>
+                              </p:par>
+                            </p:childTnLst>
+                          </p:cTn>
+                        </p:par>
+                      </p:childTnLst>
+                    </p:cTn>
+                  </p:par>
+                </p:childTnLst>
+              </p:cTn>
+              <p:prevCondLst>
+                <p:cond evt="onPrev" delay="0">
+                  <p:tgtEl>
+                    <p:sldTgt/>
+                  </p:tgtEl>
+                </p:cond>
+              </p:prevCondLst>
+              <p:nextCondLst>
+                <p:cond evt="onNext" delay="0">
+                  <p:tgtEl>
+                    <p:sldTgt/>
+                  </p:tgtEl>
+                </p:cond>
+              </p:nextCondLst>
+            </p:seq>
+          </p:childTnLst>
+        </p:cTn>
+      </p:par>
+    </p:tnLst>
+  </p:timing>
+</p:sld>
+</file>
+
 <file path=ppt/theme/theme1.xml><?xml version="1.0" encoding="utf-8"?>
 <a:theme xmlns:a="http://schemas.openxmlformats.org/drawingml/2006/main" name="Office Theme">
   <a:themeElements>
@@ -5497,4 +7074,299 @@
     </a:ext>
   </a:extLst>
 </a:theme>
+</file>
+
+<file path=ppt/theme/theme2.xml><?xml version="1.0" encoding="utf-8"?>
+<a:theme xmlns:a="http://schemas.openxmlformats.org/drawingml/2006/main" name="Office Theme">
+  <a:themeElements>
+    <a:clrScheme name="Office">
+      <a:dk1>
+        <a:sysClr val="windowText" lastClr="000000"/>
+      </a:dk1>
+      <a:lt1>
+        <a:sysClr val="window" lastClr="FFFFFF"/>
+      </a:lt1>
+      <a:dk2>
+        <a:srgbClr val="44546A"/>
+      </a:dk2>
+      <a:lt2>
+        <a:srgbClr val="E7E6E6"/>
+      </a:lt2>
+      <a:accent1>
+        <a:srgbClr val="4472C4"/>
+      </a:accent1>
+      <a:accent2>
+        <a:srgbClr val="ED7D31"/>
+      </a:accent2>
+      <a:accent3>
+        <a:srgbClr val="A5A5A5"/>
+      </a:accent3>
+      <a:accent4>
+        <a:srgbClr val="FFC000"/>
+      </a:accent4>
+      <a:accent5>
+        <a:srgbClr val="5B9BD5"/>
+      </a:accent5>
+      <a:accent6>
+        <a:srgbClr val="70AD47"/>
+      </a:accent6>
+      <a:hlink>
+        <a:srgbClr val="0563C1"/>
+      </a:hlink>
+      <a:folHlink>
+        <a:srgbClr val="954F72"/>
+      </a:folHlink>
+    </a:clrScheme>
+    <a:fontScheme name="Office">
+      <a:majorFont>
+        <a:latin typeface="Calibri Light" panose="020F0302020204030204"/>
+        <a:ea typeface=""/>
+        <a:cs typeface=""/>
+        <a:font script="Jpan" typeface="游ゴシック Light"/>
+        <a:font script="Hang" typeface="맑은 고딕"/>
+        <a:font script="Hans" typeface="等线 Light"/>
+        <a:font script="Hant" typeface="新細明體"/>
+        <a:font script="Arab" typeface="Times New Roman"/>
+        <a:font script="Hebr" typeface="Times New Roman"/>
+        <a:font script="Thai" typeface="Angsana New"/>
+        <a:font script="Ethi" typeface="Nyala"/>
+        <a:font script="Beng" typeface="Vrinda"/>
+        <a:font script="Gujr" typeface="Shruti"/>
+        <a:font script="Khmr" typeface="MoolBoran"/>
+        <a:font script="Knda" typeface="Tunga"/>
+        <a:font script="Guru" typeface="Raavi"/>
+        <a:font script="Cans" typeface="Euphemia"/>
+        <a:font script="Cher" typeface="Plantagenet Cherokee"/>
+        <a:font script="Yiii" typeface="Microsoft Yi Baiti"/>
+        <a:font script="Tibt" typeface="Microsoft Himalaya"/>
+        <a:font script="Thaa" typeface="MV Boli"/>
+        <a:font script="Deva" typeface="Mangal"/>
+        <a:font script="Telu" typeface="Gautami"/>
+        <a:font script="Taml" typeface="Latha"/>
+        <a:font script="Syrc" typeface="Estrangelo Edessa"/>
+        <a:font script="Orya" typeface="Kalinga"/>
+        <a:font script="Mlym" typeface="Kartika"/>
+        <a:font script="Laoo" typeface="DokChampa"/>
+        <a:font script="Sinh" typeface="Iskoola Pota"/>
+        <a:font script="Mong" typeface="Mongolian Baiti"/>
+        <a:font script="Viet" typeface="Times New Roman"/>
+        <a:font script="Uigh" typeface="Microsoft Uighur"/>
+        <a:font script="Geor" typeface="Sylfaen"/>
+        <a:font script="Armn" typeface="Arial"/>
+        <a:font script="Bugi" typeface="Leelawadee UI"/>
+        <a:font script="Bopo" typeface="Microsoft JhengHei"/>
+        <a:font script="Java" typeface="Javanese Text"/>
+        <a:font script="Lisu" typeface="Segoe UI"/>
+        <a:font script="Mymr" typeface="Myanmar Text"/>
+        <a:font script="Nkoo" typeface="Ebrima"/>
+        <a:font script="Olck" typeface="Nirmala UI"/>
+        <a:font script="Osma" typeface="Ebrima"/>
+        <a:font script="Phag" typeface="Phagspa"/>
+        <a:font script="Syrn" typeface="Estrangelo Edessa"/>
+        <a:font script="Syrj" typeface="Estrangelo Edessa"/>
+        <a:font script="Syre" typeface="Estrangelo Edessa"/>
+        <a:font script="Sora" typeface="Nirmala UI"/>
+        <a:font script="Tale" typeface="Microsoft Tai Le"/>
+        <a:font script="Talu" typeface="Microsoft New Tai Lue"/>
+        <a:font script="Tfng" typeface="Ebrima"/>
+      </a:majorFont>
+      <a:minorFont>
+        <a:latin typeface="Calibri" panose="020F0502020204030204"/>
+        <a:ea typeface=""/>
+        <a:cs typeface=""/>
+        <a:font script="Jpan" typeface="游ゴシック"/>
+        <a:font script="Hang" typeface="맑은 고딕"/>
+        <a:font script="Hans" typeface="等线"/>
+        <a:font script="Hant" typeface="新細明體"/>
+        <a:font script="Arab" typeface="Arial"/>
+        <a:font script="Hebr" typeface="Arial"/>
+        <a:font script="Thai" typeface="Cordia New"/>
+        <a:font script="Ethi" typeface="Nyala"/>
+        <a:font script="Beng" typeface="Vrinda"/>
+        <a:font script="Gujr" typeface="Shruti"/>
+        <a:font script="Khmr" typeface="DaunPenh"/>
+        <a:font script="Knda" typeface="Tunga"/>
+        <a:font script="Guru" typeface="Raavi"/>
+        <a:font script="Cans" typeface="Euphemia"/>
+        <a:font script="Cher" typeface="Plantagenet Cherokee"/>
+        <a:font script="Yiii" typeface="Microsoft Yi Baiti"/>
+        <a:font script="Tibt" typeface="Microsoft Himalaya"/>
+        <a:font script="Thaa" typeface="MV Boli"/>
+        <a:font script="Deva" typeface="Mangal"/>
+        <a:font script="Telu" typeface="Gautami"/>
+        <a:font script="Taml" typeface="Latha"/>
+        <a:font script="Syrc" typeface="Estrangelo Edessa"/>
+        <a:font script="Orya" typeface="Kalinga"/>
+        <a:font script="Mlym" typeface="Kartika"/>
+        <a:font script="Laoo" typeface="DokChampa"/>
+        <a:font script="Sinh" typeface="Iskoola Pota"/>
+        <a:font script="Mong" typeface="Mongolian Baiti"/>
+        <a:font script="Viet" typeface="Arial"/>
+        <a:font script="Uigh" typeface="Microsoft Uighur"/>
+        <a:font script="Geor" typeface="Sylfaen"/>
+        <a:font script="Armn" typeface="Arial"/>
+        <a:font script="Bugi" typeface="Leelawadee UI"/>
+        <a:font script="Bopo" typeface="Microsoft JhengHei"/>
+        <a:font script="Java" typeface="Javanese Text"/>
+        <a:font script="Lisu" typeface="Segoe UI"/>
+        <a:font script="Mymr" typeface="Myanmar Text"/>
+        <a:font script="Nkoo" typeface="Ebrima"/>
+        <a:font script="Olck" typeface="Nirmala UI"/>
+        <a:font script="Osma" typeface="Ebrima"/>
+        <a:font script="Phag" typeface="Phagspa"/>
+        <a:font script="Syrn" typeface="Estrangelo Edessa"/>
+        <a:font script="Syrj" typeface="Estrangelo Edessa"/>
+        <a:font script="Syre" typeface="Estrangelo Edessa"/>
+        <a:font script="Sora" typeface="Nirmala UI"/>
+        <a:font script="Tale" typeface="Microsoft Tai Le"/>
+        <a:font script="Talu" typeface="Microsoft New Tai Lue"/>
+        <a:font script="Tfng" typeface="Ebrima"/>
+      </a:minorFont>
+    </a:fontScheme>
+    <a:fmtScheme name="Office">
+      <a:fillStyleLst>
+        <a:solidFill>
+          <a:schemeClr val="phClr"/>
+        </a:solidFill>
+        <a:gradFill rotWithShape="1">
+          <a:gsLst>
+            <a:gs pos="0">
+              <a:schemeClr val="phClr">
+                <a:lumMod val="110000"/>
+                <a:satMod val="105000"/>
+                <a:tint val="67000"/>
+              </a:schemeClr>
+            </a:gs>
+            <a:gs pos="50000">
+              <a:schemeClr val="phClr">
+                <a:lumMod val="105000"/>
+                <a:satMod val="103000"/>
+                <a:tint val="73000"/>
+              </a:schemeClr>
+            </a:gs>
+            <a:gs pos="100000">
+              <a:schemeClr val="phClr">
+                <a:lumMod val="105000"/>
+                <a:satMod val="109000"/>
+                <a:tint val="81000"/>
+              </a:schemeClr>
+            </a:gs>
+          </a:gsLst>
+          <a:lin ang="5400000" scaled="0"/>
+        </a:gradFill>
+        <a:gradFill rotWithShape="1">
+          <a:gsLst>
+            <a:gs pos="0">
+              <a:schemeClr val="phClr">
+                <a:satMod val="103000"/>
+                <a:lumMod val="102000"/>
+                <a:tint val="94000"/>
+              </a:schemeClr>
+            </a:gs>
+            <a:gs pos="50000">
+              <a:schemeClr val="phClr">
+                <a:satMod val="110000"/>
+                <a:lumMod val="100000"/>
+                <a:shade val="100000"/>
+              </a:schemeClr>
+            </a:gs>
+            <a:gs pos="100000">
+              <a:schemeClr val="phClr">
+                <a:lumMod val="99000"/>
+                <a:satMod val="120000"/>
+                <a:shade val="78000"/>
+              </a:schemeClr>
+            </a:gs>
+          </a:gsLst>
+          <a:lin ang="5400000" scaled="0"/>
+        </a:gradFill>
+      </a:fillStyleLst>
+      <a:lnStyleLst>
+        <a:ln w="6350" cap="flat" cmpd="sng" algn="ctr">
+          <a:solidFill>
+            <a:schemeClr val="phClr"/>
+          </a:solidFill>
+          <a:prstDash val="solid"/>
+          <a:miter lim="800000"/>
+        </a:ln>
+        <a:ln w="12700" cap="flat" cmpd="sng" algn="ctr">
+          <a:solidFill>
+            <a:schemeClr val="phClr"/>
+          </a:solidFill>
+          <a:prstDash val="solid"/>
+          <a:miter lim="800000"/>
+        </a:ln>
+        <a:ln w="19050" cap="flat" cmpd="sng" algn="ctr">
+          <a:solidFill>
+            <a:schemeClr val="phClr"/>
+          </a:solidFill>
+          <a:prstDash val="solid"/>
+          <a:miter lim="800000"/>
+        </a:ln>
+      </a:lnStyleLst>
+      <a:effectStyleLst>
+        <a:effectStyle>
+          <a:effectLst/>
+        </a:effectStyle>
+        <a:effectStyle>
+          <a:effectLst/>
+        </a:effectStyle>
+        <a:effectStyle>
+          <a:effectLst>
+            <a:outerShdw blurRad="57150" dist="19050" dir="5400000" algn="ctr" rotWithShape="0">
+              <a:srgbClr val="000000">
+                <a:alpha val="63000"/>
+              </a:srgbClr>
+            </a:outerShdw>
+          </a:effectLst>
+        </a:effectStyle>
+      </a:effectStyleLst>
+      <a:bgFillStyleLst>
+        <a:solidFill>
+          <a:schemeClr val="phClr"/>
+        </a:solidFill>
+        <a:solidFill>
+          <a:schemeClr val="phClr">
+            <a:tint val="95000"/>
+            <a:satMod val="170000"/>
+          </a:schemeClr>
+        </a:solidFill>
+        <a:gradFill rotWithShape="1">
+          <a:gsLst>
+            <a:gs pos="0">
+              <a:schemeClr val="phClr">
+                <a:tint val="93000"/>
+                <a:satMod val="150000"/>
+                <a:shade val="98000"/>
+                <a:lumMod val="102000"/>
+              </a:schemeClr>
+            </a:gs>
+            <a:gs pos="50000">
+              <a:schemeClr val="phClr">
+                <a:tint val="98000"/>
+                <a:satMod val="130000"/>
+                <a:shade val="90000"/>
+                <a:lumMod val="103000"/>
+              </a:schemeClr>
+            </a:gs>
+            <a:gs pos="100000">
+              <a:schemeClr val="phClr">
+                <a:shade val="63000"/>
+                <a:satMod val="120000"/>
+              </a:schemeClr>
+            </a:gs>
+          </a:gsLst>
+          <a:lin ang="5400000" scaled="0"/>
+        </a:gradFill>
+      </a:bgFillStyleLst>
+    </a:fmtScheme>
+  </a:themeElements>
+  <a:objectDefaults/>
+  <a:extraClrSchemeLst/>
+  <a:extLst>
+    <a:ext uri="{05A4C25C-085E-4340-85A3-A5531E510DB2}">
+      <thm15:themeFamily xmlns:thm15="http://schemas.microsoft.com/office/thememl/2012/main" name="Office Theme" id="{62F939B6-93AF-4DB8-9C6B-D6C7DFDC589F}" vid="{4A3C46E8-61CC-4603-A589-7422A47A8E4A}"/>
+    </a:ext>
+  </a:extLst>
+</a:theme>
 </file>
--- a/Slides/Study_design.pptx
+++ b/Slides/Study_design.pptx
@@ -204,7 +204,7 @@
           <a:p>
             <a:fld id="{22095765-667C-1A47-A1EB-FE5DBB90C912}" type="datetimeFigureOut">
               <a:rPr lang="en-US" smtClean="0"/>
-              <a:t>3/8/23</a:t>
+              <a:t>4/10/23</a:t>
             </a:fld>
             <a:endParaRPr lang="en-US"/>
           </a:p>
@@ -702,7 +702,7 @@
           <a:p>
             <a:fld id="{0B10ED04-A107-3E4C-B0E2-6E352940321D}" type="datetimeFigureOut">
               <a:rPr lang="en-US" smtClean="0"/>
-              <a:t>3/8/23</a:t>
+              <a:t>4/10/23</a:t>
             </a:fld>
             <a:endParaRPr lang="en-US"/>
           </a:p>
@@ -900,7 +900,7 @@
           <a:p>
             <a:fld id="{0B10ED04-A107-3E4C-B0E2-6E352940321D}" type="datetimeFigureOut">
               <a:rPr lang="en-US" smtClean="0"/>
-              <a:t>3/8/23</a:t>
+              <a:t>4/10/23</a:t>
             </a:fld>
             <a:endParaRPr lang="en-US"/>
           </a:p>
@@ -1108,7 +1108,7 @@
           <a:p>
             <a:fld id="{0B10ED04-A107-3E4C-B0E2-6E352940321D}" type="datetimeFigureOut">
               <a:rPr lang="en-US" smtClean="0"/>
-              <a:t>3/8/23</a:t>
+              <a:t>4/10/23</a:t>
             </a:fld>
             <a:endParaRPr lang="en-US"/>
           </a:p>
@@ -1306,7 +1306,7 @@
           <a:p>
             <a:fld id="{0B10ED04-A107-3E4C-B0E2-6E352940321D}" type="datetimeFigureOut">
               <a:rPr lang="en-US" smtClean="0"/>
-              <a:t>3/8/23</a:t>
+              <a:t>4/10/23</a:t>
             </a:fld>
             <a:endParaRPr lang="en-US"/>
           </a:p>
@@ -1581,7 +1581,7 @@
           <a:p>
             <a:fld id="{0B10ED04-A107-3E4C-B0E2-6E352940321D}" type="datetimeFigureOut">
               <a:rPr lang="en-US" smtClean="0"/>
-              <a:t>3/8/23</a:t>
+              <a:t>4/10/23</a:t>
             </a:fld>
             <a:endParaRPr lang="en-US"/>
           </a:p>
@@ -1846,7 +1846,7 @@
           <a:p>
             <a:fld id="{0B10ED04-A107-3E4C-B0E2-6E352940321D}" type="datetimeFigureOut">
               <a:rPr lang="en-US" smtClean="0"/>
-              <a:t>3/8/23</a:t>
+              <a:t>4/10/23</a:t>
             </a:fld>
             <a:endParaRPr lang="en-US"/>
           </a:p>
@@ -2258,7 +2258,7 @@
           <a:p>
             <a:fld id="{0B10ED04-A107-3E4C-B0E2-6E352940321D}" type="datetimeFigureOut">
               <a:rPr lang="en-US" smtClean="0"/>
-              <a:t>3/8/23</a:t>
+              <a:t>4/10/23</a:t>
             </a:fld>
             <a:endParaRPr lang="en-US"/>
           </a:p>
@@ -2399,7 +2399,7 @@
           <a:p>
             <a:fld id="{0B10ED04-A107-3E4C-B0E2-6E352940321D}" type="datetimeFigureOut">
               <a:rPr lang="en-US" smtClean="0"/>
-              <a:t>3/8/23</a:t>
+              <a:t>4/10/23</a:t>
             </a:fld>
             <a:endParaRPr lang="en-US"/>
           </a:p>
@@ -2512,7 +2512,7 @@
           <a:p>
             <a:fld id="{0B10ED04-A107-3E4C-B0E2-6E352940321D}" type="datetimeFigureOut">
               <a:rPr lang="en-US" smtClean="0"/>
-              <a:t>3/8/23</a:t>
+              <a:t>4/10/23</a:t>
             </a:fld>
             <a:endParaRPr lang="en-US"/>
           </a:p>
@@ -2823,7 +2823,7 @@
           <a:p>
             <a:fld id="{0B10ED04-A107-3E4C-B0E2-6E352940321D}" type="datetimeFigureOut">
               <a:rPr lang="en-US" smtClean="0"/>
-              <a:t>3/8/23</a:t>
+              <a:t>4/10/23</a:t>
             </a:fld>
             <a:endParaRPr lang="en-US"/>
           </a:p>
@@ -3111,7 +3111,7 @@
           <a:p>
             <a:fld id="{0B10ED04-A107-3E4C-B0E2-6E352940321D}" type="datetimeFigureOut">
               <a:rPr lang="en-US" smtClean="0"/>
-              <a:t>3/8/23</a:t>
+              <a:t>4/10/23</a:t>
             </a:fld>
             <a:endParaRPr lang="en-US"/>
           </a:p>
@@ -3352,7 +3352,7 @@
           <a:p>
             <a:fld id="{0B10ED04-A107-3E4C-B0E2-6E352940321D}" type="datetimeFigureOut">
               <a:rPr lang="en-US" smtClean="0"/>
-              <a:t>3/8/23</a:t>
+              <a:t>4/10/23</a:t>
             </a:fld>
             <a:endParaRPr lang="en-US"/>
           </a:p>
@@ -4669,23 +4669,7 @@
                 <a:latin typeface="Calibri" panose="020F0502020204030204" pitchFamily="34" charset="0"/>
                 <a:cs typeface="Calibri" panose="020F0502020204030204" pitchFamily="34" charset="0"/>
               </a:rPr>
-              <a:t>Canonical WNT signal- </a:t>
-            </a:r>
-            <a:r>
-              <a:rPr lang="en-US" sz="1900" dirty="0" err="1">
-                <a:effectLst/>
-                <a:latin typeface="Calibri" panose="020F0502020204030204" pitchFamily="34" charset="0"/>
-                <a:cs typeface="Calibri" panose="020F0502020204030204" pitchFamily="34" charset="0"/>
-              </a:rPr>
-              <a:t>ing</a:t>
-            </a:r>
-            <a:r>
-              <a:rPr lang="en-US" sz="1900" dirty="0">
-                <a:effectLst/>
-                <a:latin typeface="Calibri" panose="020F0502020204030204" pitchFamily="34" charset="0"/>
-                <a:cs typeface="Calibri" panose="020F0502020204030204" pitchFamily="34" charset="0"/>
-              </a:rPr>
-              <a:t> is activated by WNT ligands binding to a Frizzled (FZD)/LRP complex, resulting in </a:t>
+              <a:t>Canonical WNT signaling is activated by WNT ligands binding to a Frizzled (FZD)/LRP complex, resulting in </a:t>
             </a:r>
             <a:r>
               <a:rPr lang="el-GR" sz="1900" dirty="0">
@@ -5282,28 +5266,7 @@
                 <a:latin typeface="Calibri" panose="020F0502020204030204" pitchFamily="34" charset="0"/>
                 <a:cs typeface="Calibri" panose="020F0502020204030204" pitchFamily="34" charset="0"/>
               </a:rPr>
-              <a:t>Pancreatic ductal adenocarcinoma </a:t>
-            </a:r>
-            <a:r>
-              <a:rPr lang="en-US" sz="1800" b="1" i="1">
-                <a:solidFill>
-                  <a:srgbClr val="C00000"/>
-                </a:solidFill>
-                <a:effectLst/>
-                <a:latin typeface="Calibri" panose="020F0502020204030204" pitchFamily="34" charset="0"/>
-                <a:cs typeface="Calibri" panose="020F0502020204030204" pitchFamily="34" charset="0"/>
-              </a:rPr>
-              <a:t>(</a:t>
-            </a:r>
-            <a:r>
-              <a:rPr lang="en-US" sz="1800" b="1" i="1">
-                <a:solidFill>
-                  <a:srgbClr val="C00000"/>
-                </a:solidFill>
-                <a:effectLst/>
-                <a:latin typeface="AdvOT024b927e"/>
-              </a:rPr>
-              <a:t>PDAC),  </a:t>
+              <a:t>Pancreatic ductal adenocarcinoma (</a:t>
             </a:r>
             <a:r>
               <a:rPr lang="en-US" sz="1800" b="1" i="1" dirty="0">
@@ -5313,7 +5276,7 @@
                 <a:effectLst/>
                 <a:latin typeface="AdvOT024b927e"/>
               </a:rPr>
-              <a:t>its potential role in the </a:t>
+              <a:t>PDAC), its potential role in the </a:t>
             </a:r>
             <a:r>
               <a:rPr lang="en-US" sz="1800" b="1" i="1" dirty="0">
